--- a/Slides/Basketball 3/Basketball_3_Lecture.pptx
+++ b/Slides/Basketball 3/Basketball_3_Lecture.pptx
@@ -224,7 +224,7 @@
           <a:p>
             <a:fld id="{C04E5E84-956F-4423-97B3-5936A6D8EEEE}" type="datetimeFigureOut">
               <a:rPr lang="en-US" smtClean="0"/>
-              <a:t>10/2/2019</a:t>
+              <a:t>9/28/2020</a:t>
             </a:fld>
             <a:endParaRPr lang="en-US"/>
           </a:p>
@@ -685,7 +685,7 @@
           <a:p>
             <a:fld id="{3881C039-66A3-4640-815B-3B5A8B7D868D}" type="datetimeFigureOut">
               <a:rPr lang="en-US" smtClean="0"/>
-              <a:t>10/2/2019</a:t>
+              <a:t>9/28/2020</a:t>
             </a:fld>
             <a:endParaRPr lang="en-US"/>
           </a:p>
@@ -855,7 +855,7 @@
           <a:p>
             <a:fld id="{3881C039-66A3-4640-815B-3B5A8B7D868D}" type="datetimeFigureOut">
               <a:rPr lang="en-US" smtClean="0"/>
-              <a:t>10/2/2019</a:t>
+              <a:t>9/28/2020</a:t>
             </a:fld>
             <a:endParaRPr lang="en-US"/>
           </a:p>
@@ -1076,7 +1076,7 @@
           <a:p>
             <a:fld id="{3881C039-66A3-4640-815B-3B5A8B7D868D}" type="datetimeFigureOut">
               <a:rPr lang="en-US" smtClean="0"/>
-              <a:t>10/2/2019</a:t>
+              <a:t>9/28/2020</a:t>
             </a:fld>
             <a:endParaRPr lang="en-US"/>
           </a:p>
@@ -1287,7 +1287,7 @@
           <a:p>
             <a:fld id="{3881C039-66A3-4640-815B-3B5A8B7D868D}" type="datetimeFigureOut">
               <a:rPr lang="en-US" smtClean="0"/>
-              <a:t>10/2/2019</a:t>
+              <a:t>9/28/2020</a:t>
             </a:fld>
             <a:endParaRPr lang="en-US"/>
           </a:p>
@@ -1582,7 +1582,7 @@
           <a:p>
             <a:fld id="{3881C039-66A3-4640-815B-3B5A8B7D868D}" type="datetimeFigureOut">
               <a:rPr lang="en-US" smtClean="0"/>
-              <a:t>10/2/2019</a:t>
+              <a:t>9/28/2020</a:t>
             </a:fld>
             <a:endParaRPr lang="en-US"/>
           </a:p>
@@ -1911,7 +1911,7 @@
           <a:p>
             <a:fld id="{3881C039-66A3-4640-815B-3B5A8B7D868D}" type="datetimeFigureOut">
               <a:rPr lang="en-US" smtClean="0"/>
-              <a:t>10/2/2019</a:t>
+              <a:t>9/28/2020</a:t>
             </a:fld>
             <a:endParaRPr lang="en-US"/>
           </a:p>
@@ -2403,7 +2403,7 @@
           <a:p>
             <a:fld id="{3881C039-66A3-4640-815B-3B5A8B7D868D}" type="datetimeFigureOut">
               <a:rPr lang="en-US" smtClean="0"/>
-              <a:t>10/2/2019</a:t>
+              <a:t>9/28/2020</a:t>
             </a:fld>
             <a:endParaRPr lang="en-US"/>
           </a:p>
@@ -2562,7 +2562,7 @@
           <a:p>
             <a:fld id="{3881C039-66A3-4640-815B-3B5A8B7D868D}" type="datetimeFigureOut">
               <a:rPr lang="en-US" smtClean="0"/>
-              <a:t>10/2/2019</a:t>
+              <a:t>9/28/2020</a:t>
             </a:fld>
             <a:endParaRPr lang="en-US"/>
           </a:p>
@@ -2698,7 +2698,7 @@
           <a:p>
             <a:fld id="{3881C039-66A3-4640-815B-3B5A8B7D868D}" type="datetimeFigureOut">
               <a:rPr lang="en-US" smtClean="0"/>
-              <a:t>10/2/2019</a:t>
+              <a:t>9/28/2020</a:t>
             </a:fld>
             <a:endParaRPr lang="en-US"/>
           </a:p>
@@ -3026,7 +3026,7 @@
           <a:p>
             <a:fld id="{3881C039-66A3-4640-815B-3B5A8B7D868D}" type="datetimeFigureOut">
               <a:rPr lang="en-US" smtClean="0"/>
-              <a:t>10/2/2019</a:t>
+              <a:t>9/28/2020</a:t>
             </a:fld>
             <a:endParaRPr lang="en-US"/>
           </a:p>
@@ -3341,7 +3341,7 @@
           <a:p>
             <a:fld id="{3881C039-66A3-4640-815B-3B5A8B7D868D}" type="datetimeFigureOut">
               <a:rPr lang="en-US" smtClean="0"/>
-              <a:t>10/2/2019</a:t>
+              <a:t>9/28/2020</a:t>
             </a:fld>
             <a:endParaRPr lang="en-US"/>
           </a:p>
@@ -3593,7 +3593,7 @@
           <a:p>
             <a:fld id="{3881C039-66A3-4640-815B-3B5A8B7D868D}" type="datetimeFigureOut">
               <a:rPr lang="en-US" smtClean="0"/>
-              <a:t>10/2/2019</a:t>
+              <a:t>9/28/2020</a:t>
             </a:fld>
             <a:endParaRPr lang="en-US"/>
           </a:p>
@@ -15791,25 +15791,7 @@
                 </a:solidFill>
                 <a:latin typeface="Selawik Semibold" panose="020B0702040204020203" pitchFamily="34" charset="0"/>
               </a:rPr>
-              <a:t>P-Value &lt; 0.05: </a:t>
-            </a:r>
-            <a:r>
-              <a:rPr lang="en-US" sz="2000">
-                <a:solidFill>
-                  <a:schemeClr val="bg1"/>
-                </a:solidFill>
-                <a:latin typeface="Selawik Semibold" panose="020B0702040204020203" pitchFamily="34" charset="0"/>
-              </a:rPr>
-              <a:t>Indicates Team </a:t>
-            </a:r>
-            <a:r>
-              <a:rPr lang="en-US" sz="2000" dirty="0">
-                <a:solidFill>
-                  <a:schemeClr val="bg1"/>
-                </a:solidFill>
-                <a:latin typeface="Selawik Semibold" panose="020B0702040204020203" pitchFamily="34" charset="0"/>
-              </a:rPr>
-              <a:t>1 Superior to Team 2</a:t>
+              <a:t>P-Value &lt; 0.05: Indicates Lineup 1 Superior to Lineup 2</a:t>
             </a:r>
           </a:p>
           <a:p>

--- a/Slides/Basketball 3/Basketball_3_Lecture.pptx
+++ b/Slides/Basketball 3/Basketball_3_Lecture.pptx
@@ -224,7 +224,7 @@
           <a:p>
             <a:fld id="{C04E5E84-956F-4423-97B3-5936A6D8EEEE}" type="datetimeFigureOut">
               <a:rPr lang="en-US" smtClean="0"/>
-              <a:t>9/28/2020</a:t>
+              <a:t>3/7/2021</a:t>
             </a:fld>
             <a:endParaRPr lang="en-US"/>
           </a:p>
@@ -685,7 +685,7 @@
           <a:p>
             <a:fld id="{3881C039-66A3-4640-815B-3B5A8B7D868D}" type="datetimeFigureOut">
               <a:rPr lang="en-US" smtClean="0"/>
-              <a:t>9/28/2020</a:t>
+              <a:t>3/7/2021</a:t>
             </a:fld>
             <a:endParaRPr lang="en-US"/>
           </a:p>
@@ -855,7 +855,7 @@
           <a:p>
             <a:fld id="{3881C039-66A3-4640-815B-3B5A8B7D868D}" type="datetimeFigureOut">
               <a:rPr lang="en-US" smtClean="0"/>
-              <a:t>9/28/2020</a:t>
+              <a:t>3/7/2021</a:t>
             </a:fld>
             <a:endParaRPr lang="en-US"/>
           </a:p>
@@ -1076,7 +1076,7 @@
           <a:p>
             <a:fld id="{3881C039-66A3-4640-815B-3B5A8B7D868D}" type="datetimeFigureOut">
               <a:rPr lang="en-US" smtClean="0"/>
-              <a:t>9/28/2020</a:t>
+              <a:t>3/7/2021</a:t>
             </a:fld>
             <a:endParaRPr lang="en-US"/>
           </a:p>
@@ -1287,7 +1287,7 @@
           <a:p>
             <a:fld id="{3881C039-66A3-4640-815B-3B5A8B7D868D}" type="datetimeFigureOut">
               <a:rPr lang="en-US" smtClean="0"/>
-              <a:t>9/28/2020</a:t>
+              <a:t>3/7/2021</a:t>
             </a:fld>
             <a:endParaRPr lang="en-US"/>
           </a:p>
@@ -1582,7 +1582,7 @@
           <a:p>
             <a:fld id="{3881C039-66A3-4640-815B-3B5A8B7D868D}" type="datetimeFigureOut">
               <a:rPr lang="en-US" smtClean="0"/>
-              <a:t>9/28/2020</a:t>
+              <a:t>3/7/2021</a:t>
             </a:fld>
             <a:endParaRPr lang="en-US"/>
           </a:p>
@@ -1911,7 +1911,7 @@
           <a:p>
             <a:fld id="{3881C039-66A3-4640-815B-3B5A8B7D868D}" type="datetimeFigureOut">
               <a:rPr lang="en-US" smtClean="0"/>
-              <a:t>9/28/2020</a:t>
+              <a:t>3/7/2021</a:t>
             </a:fld>
             <a:endParaRPr lang="en-US"/>
           </a:p>
@@ -2403,7 +2403,7 @@
           <a:p>
             <a:fld id="{3881C039-66A3-4640-815B-3B5A8B7D868D}" type="datetimeFigureOut">
               <a:rPr lang="en-US" smtClean="0"/>
-              <a:t>9/28/2020</a:t>
+              <a:t>3/7/2021</a:t>
             </a:fld>
             <a:endParaRPr lang="en-US"/>
           </a:p>
@@ -2562,7 +2562,7 @@
           <a:p>
             <a:fld id="{3881C039-66A3-4640-815B-3B5A8B7D868D}" type="datetimeFigureOut">
               <a:rPr lang="en-US" smtClean="0"/>
-              <a:t>9/28/2020</a:t>
+              <a:t>3/7/2021</a:t>
             </a:fld>
             <a:endParaRPr lang="en-US"/>
           </a:p>
@@ -2698,7 +2698,7 @@
           <a:p>
             <a:fld id="{3881C039-66A3-4640-815B-3B5A8B7D868D}" type="datetimeFigureOut">
               <a:rPr lang="en-US" smtClean="0"/>
-              <a:t>9/28/2020</a:t>
+              <a:t>3/7/2021</a:t>
             </a:fld>
             <a:endParaRPr lang="en-US"/>
           </a:p>
@@ -3026,7 +3026,7 @@
           <a:p>
             <a:fld id="{3881C039-66A3-4640-815B-3B5A8B7D868D}" type="datetimeFigureOut">
               <a:rPr lang="en-US" smtClean="0"/>
-              <a:t>9/28/2020</a:t>
+              <a:t>3/7/2021</a:t>
             </a:fld>
             <a:endParaRPr lang="en-US"/>
           </a:p>
@@ -3341,7 +3341,7 @@
           <a:p>
             <a:fld id="{3881C039-66A3-4640-815B-3B5A8B7D868D}" type="datetimeFigureOut">
               <a:rPr lang="en-US" smtClean="0"/>
-              <a:t>9/28/2020</a:t>
+              <a:t>3/7/2021</a:t>
             </a:fld>
             <a:endParaRPr lang="en-US"/>
           </a:p>
@@ -3593,7 +3593,7 @@
           <a:p>
             <a:fld id="{3881C039-66A3-4640-815B-3B5A8B7D868D}" type="datetimeFigureOut">
               <a:rPr lang="en-US" smtClean="0"/>
-              <a:t>9/28/2020</a:t>
+              <a:t>3/7/2021</a:t>
             </a:fld>
             <a:endParaRPr lang="en-US"/>
           </a:p>
@@ -4209,8 +4209,17 @@
               <a:rPr lang="en-US" dirty="0">
                 <a:latin typeface="Selawik Semibold" panose="020B0702040204020203" pitchFamily="34" charset="0"/>
               </a:rPr>
-              <a:t>UNC STOR 390</a:t>
+              <a:t>UNC </a:t>
             </a:r>
+            <a:r>
+              <a:rPr lang="en-US">
+                <a:latin typeface="Selawik Semibold" panose="020B0702040204020203" pitchFamily="34" charset="0"/>
+              </a:rPr>
+              <a:t>STOR 538</a:t>
+            </a:r>
+            <a:endParaRPr lang="en-US" dirty="0">
+              <a:latin typeface="Selawik Semibold" panose="020B0702040204020203" pitchFamily="34" charset="0"/>
+            </a:endParaRPr>
           </a:p>
         </p:txBody>
       </p:sp>

--- a/Slides/Basketball 3/Basketball_3_Lecture.pptx
+++ b/Slides/Basketball 3/Basketball_3_Lecture.pptx
@@ -224,7 +224,7 @@
           <a:p>
             <a:fld id="{C04E5E84-956F-4423-97B3-5936A6D8EEEE}" type="datetimeFigureOut">
               <a:rPr lang="en-US" smtClean="0"/>
-              <a:t>3/7/2021</a:t>
+              <a:t>3/10/2021</a:t>
             </a:fld>
             <a:endParaRPr lang="en-US"/>
           </a:p>
@@ -685,7 +685,7 @@
           <a:p>
             <a:fld id="{3881C039-66A3-4640-815B-3B5A8B7D868D}" type="datetimeFigureOut">
               <a:rPr lang="en-US" smtClean="0"/>
-              <a:t>3/7/2021</a:t>
+              <a:t>3/10/2021</a:t>
             </a:fld>
             <a:endParaRPr lang="en-US"/>
           </a:p>
@@ -855,7 +855,7 @@
           <a:p>
             <a:fld id="{3881C039-66A3-4640-815B-3B5A8B7D868D}" type="datetimeFigureOut">
               <a:rPr lang="en-US" smtClean="0"/>
-              <a:t>3/7/2021</a:t>
+              <a:t>3/10/2021</a:t>
             </a:fld>
             <a:endParaRPr lang="en-US"/>
           </a:p>
@@ -1076,7 +1076,7 @@
           <a:p>
             <a:fld id="{3881C039-66A3-4640-815B-3B5A8B7D868D}" type="datetimeFigureOut">
               <a:rPr lang="en-US" smtClean="0"/>
-              <a:t>3/7/2021</a:t>
+              <a:t>3/10/2021</a:t>
             </a:fld>
             <a:endParaRPr lang="en-US"/>
           </a:p>
@@ -1287,7 +1287,7 @@
           <a:p>
             <a:fld id="{3881C039-66A3-4640-815B-3B5A8B7D868D}" type="datetimeFigureOut">
               <a:rPr lang="en-US" smtClean="0"/>
-              <a:t>3/7/2021</a:t>
+              <a:t>3/10/2021</a:t>
             </a:fld>
             <a:endParaRPr lang="en-US"/>
           </a:p>
@@ -1582,7 +1582,7 @@
           <a:p>
             <a:fld id="{3881C039-66A3-4640-815B-3B5A8B7D868D}" type="datetimeFigureOut">
               <a:rPr lang="en-US" smtClean="0"/>
-              <a:t>3/7/2021</a:t>
+              <a:t>3/10/2021</a:t>
             </a:fld>
             <a:endParaRPr lang="en-US"/>
           </a:p>
@@ -1911,7 +1911,7 @@
           <a:p>
             <a:fld id="{3881C039-66A3-4640-815B-3B5A8B7D868D}" type="datetimeFigureOut">
               <a:rPr lang="en-US" smtClean="0"/>
-              <a:t>3/7/2021</a:t>
+              <a:t>3/10/2021</a:t>
             </a:fld>
             <a:endParaRPr lang="en-US"/>
           </a:p>
@@ -2403,7 +2403,7 @@
           <a:p>
             <a:fld id="{3881C039-66A3-4640-815B-3B5A8B7D868D}" type="datetimeFigureOut">
               <a:rPr lang="en-US" smtClean="0"/>
-              <a:t>3/7/2021</a:t>
+              <a:t>3/10/2021</a:t>
             </a:fld>
             <a:endParaRPr lang="en-US"/>
           </a:p>
@@ -2562,7 +2562,7 @@
           <a:p>
             <a:fld id="{3881C039-66A3-4640-815B-3B5A8B7D868D}" type="datetimeFigureOut">
               <a:rPr lang="en-US" smtClean="0"/>
-              <a:t>3/7/2021</a:t>
+              <a:t>3/10/2021</a:t>
             </a:fld>
             <a:endParaRPr lang="en-US"/>
           </a:p>
@@ -2698,7 +2698,7 @@
           <a:p>
             <a:fld id="{3881C039-66A3-4640-815B-3B5A8B7D868D}" type="datetimeFigureOut">
               <a:rPr lang="en-US" smtClean="0"/>
-              <a:t>3/7/2021</a:t>
+              <a:t>3/10/2021</a:t>
             </a:fld>
             <a:endParaRPr lang="en-US"/>
           </a:p>
@@ -3026,7 +3026,7 @@
           <a:p>
             <a:fld id="{3881C039-66A3-4640-815B-3B5A8B7D868D}" type="datetimeFigureOut">
               <a:rPr lang="en-US" smtClean="0"/>
-              <a:t>3/7/2021</a:t>
+              <a:t>3/10/2021</a:t>
             </a:fld>
             <a:endParaRPr lang="en-US"/>
           </a:p>
@@ -3341,7 +3341,7 @@
           <a:p>
             <a:fld id="{3881C039-66A3-4640-815B-3B5A8B7D868D}" type="datetimeFigureOut">
               <a:rPr lang="en-US" smtClean="0"/>
-              <a:t>3/7/2021</a:t>
+              <a:t>3/10/2021</a:t>
             </a:fld>
             <a:endParaRPr lang="en-US"/>
           </a:p>
@@ -3593,7 +3593,7 @@
           <a:p>
             <a:fld id="{3881C039-66A3-4640-815B-3B5A8B7D868D}" type="datetimeFigureOut">
               <a:rPr lang="en-US" smtClean="0"/>
-              <a:t>3/7/2021</a:t>
+              <a:t>3/10/2021</a:t>
             </a:fld>
             <a:endParaRPr lang="en-US"/>
           </a:p>
@@ -5636,7 +5636,25 @@
                 </a:solidFill>
                 <a:latin typeface="Selawik Semibold" panose="020B0702040204020203" pitchFamily="34" charset="0"/>
               </a:rPr>
-              <a:t>Adrian Griffin Had a -18 Offensive WINVAL Which Means He Had a +23 Defensive  WINVAL (Horrible Impact on the Mavericks’ Offense)</a:t>
+              <a:t>Adrian Griffin Had a -18 Offensive WINVAL Which Means He Had </a:t>
+            </a:r>
+            <a:r>
+              <a:rPr lang="en-US" sz="2000">
+                <a:solidFill>
+                  <a:schemeClr val="bg1"/>
+                </a:solidFill>
+                <a:latin typeface="Selawik Semibold" panose="020B0702040204020203" pitchFamily="34" charset="0"/>
+              </a:rPr>
+              <a:t>a -23 </a:t>
+            </a:r>
+            <a:r>
+              <a:rPr lang="en-US" sz="2000" dirty="0">
+                <a:solidFill>
+                  <a:schemeClr val="bg1"/>
+                </a:solidFill>
+                <a:latin typeface="Selawik Semibold" panose="020B0702040204020203" pitchFamily="34" charset="0"/>
+              </a:rPr>
+              <a:t>Defensive  WINVAL (Horrible Impact on the Mavericks’ Offense)</a:t>
             </a:r>
           </a:p>
           <a:p>
@@ -8718,7 +8736,7 @@
         </p:nvSpPr>
         <p:spPr>
           <a:xfrm>
-            <a:off x="7477246" y="3177837"/>
+            <a:off x="9930996" y="3198386"/>
             <a:ext cx="717630" cy="251163"/>
           </a:xfrm>
           <a:prstGeom prst="rect">
@@ -8822,7 +8840,7 @@
         </p:nvSpPr>
         <p:spPr>
           <a:xfrm>
-            <a:off x="7477246" y="5171506"/>
+            <a:off x="9930996" y="5171506"/>
             <a:ext cx="717630" cy="251163"/>
           </a:xfrm>
           <a:prstGeom prst="rect">
@@ -8926,7 +8944,7 @@
         </p:nvSpPr>
         <p:spPr>
           <a:xfrm>
-            <a:off x="7477246" y="5526115"/>
+            <a:off x="9930996" y="5513203"/>
             <a:ext cx="717630" cy="251163"/>
           </a:xfrm>
           <a:prstGeom prst="rect">
@@ -9958,7 +9976,7 @@
         </p:nvSpPr>
         <p:spPr>
           <a:xfrm>
-            <a:off x="2341259" y="6098203"/>
+            <a:off x="2318995" y="2789797"/>
             <a:ext cx="4730873" cy="254395"/>
           </a:xfrm>
           <a:prstGeom prst="rect">
@@ -10062,7 +10080,7 @@
         </p:nvSpPr>
         <p:spPr>
           <a:xfrm>
-            <a:off x="7496164" y="3795175"/>
+            <a:off x="9835261" y="3801629"/>
             <a:ext cx="717630" cy="251163"/>
           </a:xfrm>
           <a:prstGeom prst="rect">
@@ -10114,7 +10132,7 @@
         </p:nvSpPr>
         <p:spPr>
           <a:xfrm>
-            <a:off x="7496164" y="4451161"/>
+            <a:off x="9835261" y="4456954"/>
             <a:ext cx="717630" cy="251163"/>
           </a:xfrm>
           <a:prstGeom prst="rect">
@@ -10166,7 +10184,111 @@
         </p:nvSpPr>
         <p:spPr>
           <a:xfrm>
-            <a:off x="7496164" y="6101435"/>
+            <a:off x="9822382" y="2791412"/>
+            <a:ext cx="717630" cy="251163"/>
+          </a:xfrm>
+          <a:prstGeom prst="rect">
+            <a:avLst/>
+          </a:prstGeom>
+          <a:noFill/>
+          <a:ln w="38100">
+            <a:solidFill>
+              <a:srgbClr val="D34817"/>
+            </a:solidFill>
+          </a:ln>
+        </p:spPr>
+        <p:style>
+          <a:lnRef idx="2">
+            <a:schemeClr val="accent1">
+              <a:shade val="50000"/>
+            </a:schemeClr>
+          </a:lnRef>
+          <a:fillRef idx="1">
+            <a:schemeClr val="accent1"/>
+          </a:fillRef>
+          <a:effectRef idx="0">
+            <a:schemeClr val="accent1"/>
+          </a:effectRef>
+          <a:fontRef idx="minor">
+            <a:schemeClr val="lt1"/>
+          </a:fontRef>
+        </p:style>
+        <p:txBody>
+          <a:bodyPr rtlCol="0" anchor="ctr"/>
+          <a:lstStyle/>
+          <a:p>
+            <a:pPr algn="ctr"/>
+            <a:endParaRPr lang="en-US"/>
+          </a:p>
+        </p:txBody>
+      </p:sp>
+      <p:sp>
+        <p:nvSpPr>
+          <p:cNvPr id="32" name="Rectangle 31">
+            <a:extLst>
+              <a:ext uri="{FF2B5EF4-FFF2-40B4-BE49-F238E27FC236}">
+                <a16:creationId xmlns:a16="http://schemas.microsoft.com/office/drawing/2014/main" id="{2921768C-C514-43F6-A6B5-3D1F3715B67E}"/>
+              </a:ext>
+            </a:extLst>
+          </p:cNvPr>
+          <p:cNvSpPr/>
+          <p:nvPr/>
+        </p:nvSpPr>
+        <p:spPr>
+          <a:xfrm>
+            <a:off x="2318994" y="2481885"/>
+            <a:ext cx="4730873" cy="254395"/>
+          </a:xfrm>
+          <a:prstGeom prst="rect">
+            <a:avLst/>
+          </a:prstGeom>
+          <a:noFill/>
+          <a:ln w="38100">
+            <a:solidFill>
+              <a:srgbClr val="D34817"/>
+            </a:solidFill>
+          </a:ln>
+        </p:spPr>
+        <p:style>
+          <a:lnRef idx="2">
+            <a:schemeClr val="accent1">
+              <a:shade val="50000"/>
+            </a:schemeClr>
+          </a:lnRef>
+          <a:fillRef idx="1">
+            <a:schemeClr val="accent1"/>
+          </a:fillRef>
+          <a:effectRef idx="0">
+            <a:schemeClr val="accent1"/>
+          </a:effectRef>
+          <a:fontRef idx="minor">
+            <a:schemeClr val="lt1"/>
+          </a:fontRef>
+        </p:style>
+        <p:txBody>
+          <a:bodyPr rtlCol="0" anchor="ctr"/>
+          <a:lstStyle/>
+          <a:p>
+            <a:pPr algn="ctr"/>
+            <a:endParaRPr lang="en-US"/>
+          </a:p>
+        </p:txBody>
+      </p:sp>
+      <p:sp>
+        <p:nvSpPr>
+          <p:cNvPr id="34" name="Rectangle 33">
+            <a:extLst>
+              <a:ext uri="{FF2B5EF4-FFF2-40B4-BE49-F238E27FC236}">
+                <a16:creationId xmlns:a16="http://schemas.microsoft.com/office/drawing/2014/main" id="{379D7479-8B05-48A9-BB5C-AD46EA45A55E}"/>
+              </a:ext>
+            </a:extLst>
+          </p:cNvPr>
+          <p:cNvSpPr/>
+          <p:nvPr/>
+        </p:nvSpPr>
+        <p:spPr>
+          <a:xfrm>
+            <a:off x="9822382" y="2483500"/>
             <a:ext cx="717630" cy="251163"/>
           </a:xfrm>
           <a:prstGeom prst="rect">
@@ -16957,7 +17079,7 @@
                 </a:solidFill>
                 <a:latin typeface="Selawik Semibold" panose="020B0702040204020203" pitchFamily="34" charset="0"/>
               </a:rPr>
-              <a:t>Lineup 1 {DG,LH,LJ,SP,AV} with Adjusted +/-  of -14</a:t>
+              <a:t>Lineup 1 {DG,LH,LJ,SP,AV} with Adjusted +/-  of 25</a:t>
             </a:r>
           </a:p>
           <a:p>
@@ -16971,7 +17093,7 @@
                 </a:solidFill>
                 <a:latin typeface="Selawik Semibold" panose="020B0702040204020203" pitchFamily="34" charset="0"/>
               </a:rPr>
-              <a:t>Lineup 2 {DG,LH,LJ,ES,AV} with Adjusted +/-  of +25</a:t>
+              <a:t>Lineup 2 {DG,LH,LJ,ES,AV} with Adjusted +/-  of -14</a:t>
             </a:r>
           </a:p>
           <a:p>

--- a/Slides/Basketball 3/Basketball_3_Lecture.pptx
+++ b/Slides/Basketball 3/Basketball_3_Lecture.pptx
@@ -224,7 +224,7 @@
           <a:p>
             <a:fld id="{C04E5E84-956F-4423-97B3-5936A6D8EEEE}" type="datetimeFigureOut">
               <a:rPr lang="en-US" smtClean="0"/>
-              <a:t>3/10/2021</a:t>
+              <a:t>3/15/2021</a:t>
             </a:fld>
             <a:endParaRPr lang="en-US"/>
           </a:p>
@@ -685,7 +685,7 @@
           <a:p>
             <a:fld id="{3881C039-66A3-4640-815B-3B5A8B7D868D}" type="datetimeFigureOut">
               <a:rPr lang="en-US" smtClean="0"/>
-              <a:t>3/10/2021</a:t>
+              <a:t>3/15/2021</a:t>
             </a:fld>
             <a:endParaRPr lang="en-US"/>
           </a:p>
@@ -855,7 +855,7 @@
           <a:p>
             <a:fld id="{3881C039-66A3-4640-815B-3B5A8B7D868D}" type="datetimeFigureOut">
               <a:rPr lang="en-US" smtClean="0"/>
-              <a:t>3/10/2021</a:t>
+              <a:t>3/15/2021</a:t>
             </a:fld>
             <a:endParaRPr lang="en-US"/>
           </a:p>
@@ -1076,7 +1076,7 @@
           <a:p>
             <a:fld id="{3881C039-66A3-4640-815B-3B5A8B7D868D}" type="datetimeFigureOut">
               <a:rPr lang="en-US" smtClean="0"/>
-              <a:t>3/10/2021</a:t>
+              <a:t>3/15/2021</a:t>
             </a:fld>
             <a:endParaRPr lang="en-US"/>
           </a:p>
@@ -1287,7 +1287,7 @@
           <a:p>
             <a:fld id="{3881C039-66A3-4640-815B-3B5A8B7D868D}" type="datetimeFigureOut">
               <a:rPr lang="en-US" smtClean="0"/>
-              <a:t>3/10/2021</a:t>
+              <a:t>3/15/2021</a:t>
             </a:fld>
             <a:endParaRPr lang="en-US"/>
           </a:p>
@@ -1582,7 +1582,7 @@
           <a:p>
             <a:fld id="{3881C039-66A3-4640-815B-3B5A8B7D868D}" type="datetimeFigureOut">
               <a:rPr lang="en-US" smtClean="0"/>
-              <a:t>3/10/2021</a:t>
+              <a:t>3/15/2021</a:t>
             </a:fld>
             <a:endParaRPr lang="en-US"/>
           </a:p>
@@ -1911,7 +1911,7 @@
           <a:p>
             <a:fld id="{3881C039-66A3-4640-815B-3B5A8B7D868D}" type="datetimeFigureOut">
               <a:rPr lang="en-US" smtClean="0"/>
-              <a:t>3/10/2021</a:t>
+              <a:t>3/15/2021</a:t>
             </a:fld>
             <a:endParaRPr lang="en-US"/>
           </a:p>
@@ -2403,7 +2403,7 @@
           <a:p>
             <a:fld id="{3881C039-66A3-4640-815B-3B5A8B7D868D}" type="datetimeFigureOut">
               <a:rPr lang="en-US" smtClean="0"/>
-              <a:t>3/10/2021</a:t>
+              <a:t>3/15/2021</a:t>
             </a:fld>
             <a:endParaRPr lang="en-US"/>
           </a:p>
@@ -2562,7 +2562,7 @@
           <a:p>
             <a:fld id="{3881C039-66A3-4640-815B-3B5A8B7D868D}" type="datetimeFigureOut">
               <a:rPr lang="en-US" smtClean="0"/>
-              <a:t>3/10/2021</a:t>
+              <a:t>3/15/2021</a:t>
             </a:fld>
             <a:endParaRPr lang="en-US"/>
           </a:p>
@@ -2698,7 +2698,7 @@
           <a:p>
             <a:fld id="{3881C039-66A3-4640-815B-3B5A8B7D868D}" type="datetimeFigureOut">
               <a:rPr lang="en-US" smtClean="0"/>
-              <a:t>3/10/2021</a:t>
+              <a:t>3/15/2021</a:t>
             </a:fld>
             <a:endParaRPr lang="en-US"/>
           </a:p>
@@ -3026,7 +3026,7 @@
           <a:p>
             <a:fld id="{3881C039-66A3-4640-815B-3B5A8B7D868D}" type="datetimeFigureOut">
               <a:rPr lang="en-US" smtClean="0"/>
-              <a:t>3/10/2021</a:t>
+              <a:t>3/15/2021</a:t>
             </a:fld>
             <a:endParaRPr lang="en-US"/>
           </a:p>
@@ -3341,7 +3341,7 @@
           <a:p>
             <a:fld id="{3881C039-66A3-4640-815B-3B5A8B7D868D}" type="datetimeFigureOut">
               <a:rPr lang="en-US" smtClean="0"/>
-              <a:t>3/10/2021</a:t>
+              <a:t>3/15/2021</a:t>
             </a:fld>
             <a:endParaRPr lang="en-US"/>
           </a:p>
@@ -3593,7 +3593,7 @@
           <a:p>
             <a:fld id="{3881C039-66A3-4640-815B-3B5A8B7D868D}" type="datetimeFigureOut">
               <a:rPr lang="en-US" smtClean="0"/>
-              <a:t>3/10/2021</a:t>
+              <a:t>3/15/2021</a:t>
             </a:fld>
             <a:endParaRPr lang="en-US"/>
           </a:p>
@@ -17727,10 +17727,10 @@
       </p:cxnSp>
       <p:pic>
         <p:nvPicPr>
-          <p:cNvPr id="3" name="Picture 2">
-            <a:extLst>
-              <a:ext uri="{FF2B5EF4-FFF2-40B4-BE49-F238E27FC236}">
-                <a16:creationId xmlns:a16="http://schemas.microsoft.com/office/drawing/2014/main" id="{CC410E8A-7969-4FB3-B5B4-CBF925D9B547}"/>
+          <p:cNvPr id="5" name="Picture 4">
+            <a:extLst>
+              <a:ext uri="{FF2B5EF4-FFF2-40B4-BE49-F238E27FC236}">
+                <a16:creationId xmlns:a16="http://schemas.microsoft.com/office/drawing/2014/main" id="{B9085BE4-6F83-45D1-BA58-B0C5D14C7DAF}"/>
               </a:ext>
             </a:extLst>
           </p:cNvPr>
@@ -17747,8 +17747,8 @@
         </p:blipFill>
         <p:spPr>
           <a:xfrm>
-            <a:off x="2731986" y="3587539"/>
-            <a:ext cx="7060195" cy="2920667"/>
+            <a:off x="3282030" y="3612669"/>
+            <a:ext cx="5627939" cy="2068051"/>
           </a:xfrm>
           <a:prstGeom prst="rect">
             <a:avLst/>
@@ -17760,6 +17760,489 @@
           </a:ln>
         </p:spPr>
       </p:pic>
+      <p:cxnSp>
+        <p:nvCxnSpPr>
+          <p:cNvPr id="22" name="Straight Arrow Connector 21">
+            <a:extLst>
+              <a:ext uri="{FF2B5EF4-FFF2-40B4-BE49-F238E27FC236}">
+                <a16:creationId xmlns:a16="http://schemas.microsoft.com/office/drawing/2014/main" id="{59A13FD5-224F-44DA-924D-0207CDAF34BC}"/>
+              </a:ext>
+            </a:extLst>
+          </p:cNvPr>
+          <p:cNvCxnSpPr>
+            <a:cxnSpLocks/>
+          </p:cNvCxnSpPr>
+          <p:nvPr/>
+        </p:nvCxnSpPr>
+        <p:spPr>
+          <a:xfrm>
+            <a:off x="4577442" y="5769658"/>
+            <a:ext cx="0" cy="421018"/>
+          </a:xfrm>
+          <a:prstGeom prst="straightConnector1">
+            <a:avLst/>
+          </a:prstGeom>
+          <a:ln w="57150">
+            <a:solidFill>
+              <a:srgbClr val="D34817"/>
+            </a:solidFill>
+            <a:tailEnd type="triangle"/>
+          </a:ln>
+        </p:spPr>
+        <p:style>
+          <a:lnRef idx="1">
+            <a:schemeClr val="accent1"/>
+          </a:lnRef>
+          <a:fillRef idx="0">
+            <a:schemeClr val="accent1"/>
+          </a:fillRef>
+          <a:effectRef idx="0">
+            <a:schemeClr val="accent1"/>
+          </a:effectRef>
+          <a:fontRef idx="minor">
+            <a:schemeClr val="tx1"/>
+          </a:fontRef>
+        </p:style>
+      </p:cxnSp>
+      <mc:AlternateContent xmlns:mc="http://schemas.openxmlformats.org/markup-compatibility/2006">
+        <mc:Choice xmlns:a14="http://schemas.microsoft.com/office/drawing/2010/main" Requires="a14">
+          <p:sp>
+            <p:nvSpPr>
+              <p:cNvPr id="25" name="TextBox 24">
+                <a:extLst>
+                  <a:ext uri="{FF2B5EF4-FFF2-40B4-BE49-F238E27FC236}">
+                    <a16:creationId xmlns:a16="http://schemas.microsoft.com/office/drawing/2014/main" id="{561D708B-7552-43BD-B3EA-C760FFB7EE7A}"/>
+                  </a:ext>
+                </a:extLst>
+              </p:cNvPr>
+              <p:cNvSpPr txBox="1"/>
+              <p:nvPr/>
+            </p:nvSpPr>
+            <p:spPr>
+              <a:xfrm>
+                <a:off x="1249749" y="6049603"/>
+                <a:ext cx="6046536" cy="668516"/>
+              </a:xfrm>
+              <a:prstGeom prst="rect">
+                <a:avLst/>
+              </a:prstGeom>
+              <a:noFill/>
+            </p:spPr>
+            <p:txBody>
+              <a:bodyPr wrap="square" rtlCol="0">
+                <a:spAutoFit/>
+              </a:bodyPr>
+              <a:lstStyle/>
+              <a:p>
+                <a:pPr/>
+                <a14:m>
+                  <m:oMathPara xmlns:m="http://schemas.openxmlformats.org/officeDocument/2006/math">
+                    <m:oMathParaPr>
+                      <m:jc m:val="centerGroup"/>
+                    </m:oMathParaPr>
+                    <m:oMath xmlns:m="http://schemas.openxmlformats.org/officeDocument/2006/math">
+                      <m:sSup>
+                        <m:sSupPr>
+                          <m:ctrlPr>
+                            <a:rPr lang="en-US" sz="2000" b="0" i="1" smtClean="0">
+                              <a:solidFill>
+                                <a:schemeClr val="bg1"/>
+                              </a:solidFill>
+                              <a:latin typeface="Cambria Math" panose="02040503050406030204" pitchFamily="18" charset="0"/>
+                            </a:rPr>
+                          </m:ctrlPr>
+                        </m:sSupPr>
+                        <m:e>
+                          <m:acc>
+                            <m:accPr>
+                              <m:chr m:val="̂"/>
+                              <m:ctrlPr>
+                                <a:rPr lang="en-US" sz="2000" b="0" i="1" smtClean="0">
+                                  <a:solidFill>
+                                    <a:schemeClr val="bg1"/>
+                                  </a:solidFill>
+                                  <a:latin typeface="Cambria Math" panose="02040503050406030204" pitchFamily="18" charset="0"/>
+                                </a:rPr>
+                              </m:ctrlPr>
+                            </m:accPr>
+                            <m:e>
+                              <m:r>
+                                <a:rPr lang="en-US" sz="2000" b="0" i="1" smtClean="0">
+                                  <a:solidFill>
+                                    <a:schemeClr val="bg1"/>
+                                  </a:solidFill>
+                                  <a:latin typeface="Cambria Math" panose="02040503050406030204" pitchFamily="18" charset="0"/>
+                                </a:rPr>
+                                <m:t>𝜎</m:t>
+                              </m:r>
+                            </m:e>
+                          </m:acc>
+                        </m:e>
+                        <m:sup>
+                          <m:r>
+                            <a:rPr lang="en-US" sz="2000" b="0" i="1" smtClean="0">
+                              <a:solidFill>
+                                <a:schemeClr val="bg1"/>
+                              </a:solidFill>
+                              <a:latin typeface="Cambria Math" panose="02040503050406030204" pitchFamily="18" charset="0"/>
+                            </a:rPr>
+                            <m:t>2</m:t>
+                          </m:r>
+                        </m:sup>
+                      </m:sSup>
+                      <m:r>
+                        <a:rPr lang="en-US" sz="2000" b="0" i="1" smtClean="0">
+                          <a:solidFill>
+                            <a:schemeClr val="bg1"/>
+                          </a:solidFill>
+                          <a:latin typeface="Cambria Math" panose="02040503050406030204" pitchFamily="18" charset="0"/>
+                        </a:rPr>
+                        <m:t>=</m:t>
+                      </m:r>
+                      <m:f>
+                        <m:fPr>
+                          <m:ctrlPr>
+                            <a:rPr lang="en-US" sz="2000" b="0" i="1" smtClean="0">
+                              <a:solidFill>
+                                <a:schemeClr val="bg1"/>
+                              </a:solidFill>
+                              <a:latin typeface="Cambria Math" panose="02040503050406030204" pitchFamily="18" charset="0"/>
+                            </a:rPr>
+                          </m:ctrlPr>
+                        </m:fPr>
+                        <m:num>
+                          <m:r>
+                            <a:rPr lang="en-US" sz="2000" b="0" i="1" smtClean="0">
+                              <a:solidFill>
+                                <a:schemeClr val="bg1"/>
+                              </a:solidFill>
+                              <a:latin typeface="Cambria Math" panose="02040503050406030204" pitchFamily="18" charset="0"/>
+                            </a:rPr>
+                            <m:t>1</m:t>
+                          </m:r>
+                          <m:r>
+                            <a:rPr lang="en-US" sz="2000" b="0" i="1" smtClean="0">
+                              <a:solidFill>
+                                <a:schemeClr val="bg1"/>
+                              </a:solidFill>
+                              <a:latin typeface="Cambria Math" panose="02040503050406030204" pitchFamily="18" charset="0"/>
+                            </a:rPr>
+                            <m:t>44</m:t>
+                          </m:r>
+                        </m:num>
+                        <m:den>
+                          <m:r>
+                            <a:rPr lang="en-US" sz="2000" b="0" i="1" smtClean="0">
+                              <a:solidFill>
+                                <a:schemeClr val="bg1"/>
+                              </a:solidFill>
+                              <a:latin typeface="Cambria Math" panose="02040503050406030204" pitchFamily="18" charset="0"/>
+                            </a:rPr>
+                            <m:t>2.58</m:t>
+                          </m:r>
+                        </m:den>
+                      </m:f>
+                      <m:r>
+                        <a:rPr lang="en-US" sz="2000" b="0" i="1" smtClean="0">
+                          <a:solidFill>
+                            <a:schemeClr val="bg1"/>
+                          </a:solidFill>
+                          <a:latin typeface="Cambria Math" panose="02040503050406030204" pitchFamily="18" charset="0"/>
+                        </a:rPr>
+                        <m:t>+</m:t>
+                      </m:r>
+                      <m:f>
+                        <m:fPr>
+                          <m:ctrlPr>
+                            <a:rPr lang="en-US" sz="2000" b="0" i="1" smtClean="0">
+                              <a:solidFill>
+                                <a:schemeClr val="bg1"/>
+                              </a:solidFill>
+                              <a:latin typeface="Cambria Math" panose="02040503050406030204" pitchFamily="18" charset="0"/>
+                            </a:rPr>
+                          </m:ctrlPr>
+                        </m:fPr>
+                        <m:num>
+                          <m:r>
+                            <a:rPr lang="en-US" sz="2000" b="0" i="1" smtClean="0">
+                              <a:solidFill>
+                                <a:schemeClr val="bg1"/>
+                              </a:solidFill>
+                              <a:latin typeface="Cambria Math" panose="02040503050406030204" pitchFamily="18" charset="0"/>
+                            </a:rPr>
+                            <m:t>144</m:t>
+                          </m:r>
+                        </m:num>
+                        <m:den>
+                          <m:r>
+                            <a:rPr lang="en-US" sz="2000" b="0" i="1" smtClean="0">
+                              <a:solidFill>
+                                <a:schemeClr val="bg1"/>
+                              </a:solidFill>
+                              <a:latin typeface="Cambria Math" panose="02040503050406030204" pitchFamily="18" charset="0"/>
+                            </a:rPr>
+                            <m:t>3.25</m:t>
+                          </m:r>
+                        </m:den>
+                      </m:f>
+                    </m:oMath>
+                  </m:oMathPara>
+                </a14:m>
+                <a:endParaRPr lang="en-US" sz="2000" dirty="0">
+                  <a:solidFill>
+                    <a:schemeClr val="bg1"/>
+                  </a:solidFill>
+                </a:endParaRPr>
+              </a:p>
+            </p:txBody>
+          </p:sp>
+        </mc:Choice>
+        <mc:Fallback>
+          <p:sp>
+            <p:nvSpPr>
+              <p:cNvPr id="25" name="TextBox 24">
+                <a:extLst>
+                  <a:ext uri="{FF2B5EF4-FFF2-40B4-BE49-F238E27FC236}">
+                    <a16:creationId xmlns:a16="http://schemas.microsoft.com/office/drawing/2014/main" id="{561D708B-7552-43BD-B3EA-C760FFB7EE7A}"/>
+                  </a:ext>
+                </a:extLst>
+              </p:cNvPr>
+              <p:cNvSpPr txBox="1">
+                <a:spLocks noRot="1" noChangeAspect="1" noMove="1" noResize="1" noEditPoints="1" noAdjustHandles="1" noChangeArrowheads="1" noChangeShapeType="1" noTextEdit="1"/>
+              </p:cNvSpPr>
+              <p:nvPr/>
+            </p:nvSpPr>
+            <p:spPr>
+              <a:xfrm>
+                <a:off x="1249749" y="6049603"/>
+                <a:ext cx="6046536" cy="668516"/>
+              </a:xfrm>
+              <a:prstGeom prst="rect">
+                <a:avLst/>
+              </a:prstGeom>
+              <a:blipFill>
+                <a:blip r:embed="rId7"/>
+                <a:stretch>
+                  <a:fillRect/>
+                </a:stretch>
+              </a:blipFill>
+            </p:spPr>
+            <p:txBody>
+              <a:bodyPr/>
+              <a:lstStyle/>
+              <a:p>
+                <a:r>
+                  <a:rPr lang="en-US">
+                    <a:noFill/>
+                  </a:rPr>
+                  <a:t> </a:t>
+                </a:r>
+              </a:p>
+            </p:txBody>
+          </p:sp>
+        </mc:Fallback>
+      </mc:AlternateContent>
+      <p:cxnSp>
+        <p:nvCxnSpPr>
+          <p:cNvPr id="26" name="Straight Arrow Connector 25">
+            <a:extLst>
+              <a:ext uri="{FF2B5EF4-FFF2-40B4-BE49-F238E27FC236}">
+                <a16:creationId xmlns:a16="http://schemas.microsoft.com/office/drawing/2014/main" id="{A0AFEC1F-0332-44F8-BE99-8C29913BF6B5}"/>
+              </a:ext>
+            </a:extLst>
+          </p:cNvPr>
+          <p:cNvCxnSpPr>
+            <a:cxnSpLocks/>
+          </p:cNvCxnSpPr>
+          <p:nvPr/>
+        </p:nvCxnSpPr>
+        <p:spPr>
+          <a:xfrm>
+            <a:off x="7979580" y="5769658"/>
+            <a:ext cx="0" cy="421018"/>
+          </a:xfrm>
+          <a:prstGeom prst="straightConnector1">
+            <a:avLst/>
+          </a:prstGeom>
+          <a:ln w="57150">
+            <a:solidFill>
+              <a:srgbClr val="D34817"/>
+            </a:solidFill>
+            <a:tailEnd type="triangle"/>
+          </a:ln>
+        </p:spPr>
+        <p:style>
+          <a:lnRef idx="1">
+            <a:schemeClr val="accent1"/>
+          </a:lnRef>
+          <a:fillRef idx="0">
+            <a:schemeClr val="accent1"/>
+          </a:fillRef>
+          <a:effectRef idx="0">
+            <a:schemeClr val="accent1"/>
+          </a:effectRef>
+          <a:fontRef idx="minor">
+            <a:schemeClr val="tx1"/>
+          </a:fontRef>
+        </p:style>
+      </p:cxnSp>
+      <mc:AlternateContent xmlns:mc="http://schemas.openxmlformats.org/markup-compatibility/2006">
+        <mc:Choice xmlns:a14="http://schemas.microsoft.com/office/drawing/2010/main" Requires="a14">
+          <p:sp>
+            <p:nvSpPr>
+              <p:cNvPr id="28" name="TextBox 27">
+                <a:extLst>
+                  <a:ext uri="{FF2B5EF4-FFF2-40B4-BE49-F238E27FC236}">
+                    <a16:creationId xmlns:a16="http://schemas.microsoft.com/office/drawing/2014/main" id="{44423410-6452-43AC-96A0-9C6A6F7D13E9}"/>
+                  </a:ext>
+                </a:extLst>
+              </p:cNvPr>
+              <p:cNvSpPr txBox="1"/>
+              <p:nvPr/>
+            </p:nvSpPr>
+            <p:spPr>
+              <a:xfrm>
+                <a:off x="5689886" y="6147690"/>
+                <a:ext cx="6046536" cy="400110"/>
+              </a:xfrm>
+              <a:prstGeom prst="rect">
+                <a:avLst/>
+              </a:prstGeom>
+              <a:noFill/>
+            </p:spPr>
+            <p:txBody>
+              <a:bodyPr wrap="square" rtlCol="0">
+                <a:spAutoFit/>
+              </a:bodyPr>
+              <a:lstStyle/>
+              <a:p>
+                <a:pPr/>
+                <a14:m>
+                  <m:oMathPara xmlns:m="http://schemas.openxmlformats.org/officeDocument/2006/math">
+                    <m:oMathParaPr>
+                      <m:jc m:val="centerGroup"/>
+                    </m:oMathParaPr>
+                    <m:oMath xmlns:m="http://schemas.openxmlformats.org/officeDocument/2006/math">
+                      <m:r>
+                        <a:rPr lang="en-US" sz="2000" b="0" i="1" smtClean="0">
+                          <a:solidFill>
+                            <a:schemeClr val="bg1"/>
+                          </a:solidFill>
+                          <a:latin typeface="Cambria Math" panose="02040503050406030204" pitchFamily="18" charset="0"/>
+                        </a:rPr>
+                        <m:t>1−</m:t>
+                      </m:r>
+                      <m:r>
+                        <a:rPr lang="en-US" sz="2000" b="0" i="1" smtClean="0">
+                          <a:solidFill>
+                            <a:schemeClr val="bg1"/>
+                          </a:solidFill>
+                          <a:latin typeface="Cambria Math" panose="02040503050406030204" pitchFamily="18" charset="0"/>
+                        </a:rPr>
+                        <m:t>𝑁𝑂𝑅𝑀</m:t>
+                      </m:r>
+                      <m:r>
+                        <a:rPr lang="en-US" sz="2000" b="0" i="1" smtClean="0">
+                          <a:solidFill>
+                            <a:schemeClr val="bg1"/>
+                          </a:solidFill>
+                          <a:latin typeface="Cambria Math" panose="02040503050406030204" pitchFamily="18" charset="0"/>
+                        </a:rPr>
+                        <m:t>.</m:t>
+                      </m:r>
+                      <m:r>
+                        <a:rPr lang="en-US" sz="2000" b="0" i="1" smtClean="0">
+                          <a:solidFill>
+                            <a:schemeClr val="bg1"/>
+                          </a:solidFill>
+                          <a:latin typeface="Cambria Math" panose="02040503050406030204" pitchFamily="18" charset="0"/>
+                        </a:rPr>
+                        <m:t>𝐷𝐼𝑆𝑇</m:t>
+                      </m:r>
+                      <m:r>
+                        <a:rPr lang="en-US" sz="2000" b="0" i="1" smtClean="0">
+                          <a:solidFill>
+                            <a:schemeClr val="bg1"/>
+                          </a:solidFill>
+                          <a:latin typeface="Cambria Math" panose="02040503050406030204" pitchFamily="18" charset="0"/>
+                        </a:rPr>
+                        <m:t>(39,0,10.002,</m:t>
+                      </m:r>
+                      <m:r>
+                        <a:rPr lang="en-US" sz="2000" b="0" i="1" smtClean="0">
+                          <a:solidFill>
+                            <a:schemeClr val="bg1"/>
+                          </a:solidFill>
+                          <a:latin typeface="Cambria Math" panose="02040503050406030204" pitchFamily="18" charset="0"/>
+                        </a:rPr>
+                        <m:t>𝑇𝑅𝑈𝐸</m:t>
+                      </m:r>
+                      <m:r>
+                        <a:rPr lang="en-US" sz="2000" b="0" i="1" smtClean="0">
+                          <a:solidFill>
+                            <a:schemeClr val="bg1"/>
+                          </a:solidFill>
+                          <a:latin typeface="Cambria Math" panose="02040503050406030204" pitchFamily="18" charset="0"/>
+                        </a:rPr>
+                        <m:t>)</m:t>
+                      </m:r>
+                    </m:oMath>
+                  </m:oMathPara>
+                </a14:m>
+                <a:endParaRPr lang="en-US" sz="2000" dirty="0">
+                  <a:solidFill>
+                    <a:schemeClr val="bg1"/>
+                  </a:solidFill>
+                </a:endParaRPr>
+              </a:p>
+            </p:txBody>
+          </p:sp>
+        </mc:Choice>
+        <mc:Fallback>
+          <p:sp>
+            <p:nvSpPr>
+              <p:cNvPr id="28" name="TextBox 27">
+                <a:extLst>
+                  <a:ext uri="{FF2B5EF4-FFF2-40B4-BE49-F238E27FC236}">
+                    <a16:creationId xmlns:a16="http://schemas.microsoft.com/office/drawing/2014/main" id="{44423410-6452-43AC-96A0-9C6A6F7D13E9}"/>
+                  </a:ext>
+                </a:extLst>
+              </p:cNvPr>
+              <p:cNvSpPr txBox="1">
+                <a:spLocks noRot="1" noChangeAspect="1" noMove="1" noResize="1" noEditPoints="1" noAdjustHandles="1" noChangeArrowheads="1" noChangeShapeType="1" noTextEdit="1"/>
+              </p:cNvSpPr>
+              <p:nvPr/>
+            </p:nvSpPr>
+            <p:spPr>
+              <a:xfrm>
+                <a:off x="5689886" y="6147690"/>
+                <a:ext cx="6046536" cy="400110"/>
+              </a:xfrm>
+              <a:prstGeom prst="rect">
+                <a:avLst/>
+              </a:prstGeom>
+              <a:blipFill>
+                <a:blip r:embed="rId8"/>
+                <a:stretch>
+                  <a:fillRect b="-18182"/>
+                </a:stretch>
+              </a:blipFill>
+            </p:spPr>
+            <p:txBody>
+              <a:bodyPr/>
+              <a:lstStyle/>
+              <a:p>
+                <a:r>
+                  <a:rPr lang="en-US">
+                    <a:noFill/>
+                  </a:rPr>
+                  <a:t> </a:t>
+                </a:r>
+              </a:p>
+            </p:txBody>
+          </p:sp>
+        </mc:Fallback>
+      </mc:AlternateContent>
     </p:spTree>
     <p:extLst>
       <p:ext uri="{BB962C8B-B14F-4D97-AF65-F5344CB8AC3E}">

--- a/Slides/Basketball 3/Basketball_3_Lecture.pptx
+++ b/Slides/Basketball 3/Basketball_3_Lecture.pptx
@@ -14,7 +14,7 @@
     <p:sldId id="303" r:id="rId5"/>
     <p:sldId id="304" r:id="rId6"/>
     <p:sldId id="306" r:id="rId7"/>
-    <p:sldId id="307" r:id="rId8"/>
+    <p:sldId id="316" r:id="rId8"/>
     <p:sldId id="308" r:id="rId9"/>
     <p:sldId id="309" r:id="rId10"/>
     <p:sldId id="311" r:id="rId11"/>
@@ -224,7 +224,7 @@
           <a:p>
             <a:fld id="{C04E5E84-956F-4423-97B3-5936A6D8EEEE}" type="datetimeFigureOut">
               <a:rPr lang="en-US" smtClean="0"/>
-              <a:t>3/15/2021</a:t>
+              <a:t>2/28/2023</a:t>
             </a:fld>
             <a:endParaRPr lang="en-US"/>
           </a:p>
@@ -685,7 +685,7 @@
           <a:p>
             <a:fld id="{3881C039-66A3-4640-815B-3B5A8B7D868D}" type="datetimeFigureOut">
               <a:rPr lang="en-US" smtClean="0"/>
-              <a:t>3/15/2021</a:t>
+              <a:t>2/28/2023</a:t>
             </a:fld>
             <a:endParaRPr lang="en-US"/>
           </a:p>
@@ -855,7 +855,7 @@
           <a:p>
             <a:fld id="{3881C039-66A3-4640-815B-3B5A8B7D868D}" type="datetimeFigureOut">
               <a:rPr lang="en-US" smtClean="0"/>
-              <a:t>3/15/2021</a:t>
+              <a:t>2/28/2023</a:t>
             </a:fld>
             <a:endParaRPr lang="en-US"/>
           </a:p>
@@ -1076,7 +1076,7 @@
           <a:p>
             <a:fld id="{3881C039-66A3-4640-815B-3B5A8B7D868D}" type="datetimeFigureOut">
               <a:rPr lang="en-US" smtClean="0"/>
-              <a:t>3/15/2021</a:t>
+              <a:t>2/28/2023</a:t>
             </a:fld>
             <a:endParaRPr lang="en-US"/>
           </a:p>
@@ -1287,7 +1287,7 @@
           <a:p>
             <a:fld id="{3881C039-66A3-4640-815B-3B5A8B7D868D}" type="datetimeFigureOut">
               <a:rPr lang="en-US" smtClean="0"/>
-              <a:t>3/15/2021</a:t>
+              <a:t>2/28/2023</a:t>
             </a:fld>
             <a:endParaRPr lang="en-US"/>
           </a:p>
@@ -1582,7 +1582,7 @@
           <a:p>
             <a:fld id="{3881C039-66A3-4640-815B-3B5A8B7D868D}" type="datetimeFigureOut">
               <a:rPr lang="en-US" smtClean="0"/>
-              <a:t>3/15/2021</a:t>
+              <a:t>2/28/2023</a:t>
             </a:fld>
             <a:endParaRPr lang="en-US"/>
           </a:p>
@@ -1911,7 +1911,7 @@
           <a:p>
             <a:fld id="{3881C039-66A3-4640-815B-3B5A8B7D868D}" type="datetimeFigureOut">
               <a:rPr lang="en-US" smtClean="0"/>
-              <a:t>3/15/2021</a:t>
+              <a:t>2/28/2023</a:t>
             </a:fld>
             <a:endParaRPr lang="en-US"/>
           </a:p>
@@ -2403,7 +2403,7 @@
           <a:p>
             <a:fld id="{3881C039-66A3-4640-815B-3B5A8B7D868D}" type="datetimeFigureOut">
               <a:rPr lang="en-US" smtClean="0"/>
-              <a:t>3/15/2021</a:t>
+              <a:t>2/28/2023</a:t>
             </a:fld>
             <a:endParaRPr lang="en-US"/>
           </a:p>
@@ -2562,7 +2562,7 @@
           <a:p>
             <a:fld id="{3881C039-66A3-4640-815B-3B5A8B7D868D}" type="datetimeFigureOut">
               <a:rPr lang="en-US" smtClean="0"/>
-              <a:t>3/15/2021</a:t>
+              <a:t>2/28/2023</a:t>
             </a:fld>
             <a:endParaRPr lang="en-US"/>
           </a:p>
@@ -2698,7 +2698,7 @@
           <a:p>
             <a:fld id="{3881C039-66A3-4640-815B-3B5A8B7D868D}" type="datetimeFigureOut">
               <a:rPr lang="en-US" smtClean="0"/>
-              <a:t>3/15/2021</a:t>
+              <a:t>2/28/2023</a:t>
             </a:fld>
             <a:endParaRPr lang="en-US"/>
           </a:p>
@@ -3026,7 +3026,7 @@
           <a:p>
             <a:fld id="{3881C039-66A3-4640-815B-3B5A8B7D868D}" type="datetimeFigureOut">
               <a:rPr lang="en-US" smtClean="0"/>
-              <a:t>3/15/2021</a:t>
+              <a:t>2/28/2023</a:t>
             </a:fld>
             <a:endParaRPr lang="en-US"/>
           </a:p>
@@ -3341,7 +3341,7 @@
           <a:p>
             <a:fld id="{3881C039-66A3-4640-815B-3B5A8B7D868D}" type="datetimeFigureOut">
               <a:rPr lang="en-US" smtClean="0"/>
-              <a:t>3/15/2021</a:t>
+              <a:t>2/28/2023</a:t>
             </a:fld>
             <a:endParaRPr lang="en-US"/>
           </a:p>
@@ -3593,7 +3593,7 @@
           <a:p>
             <a:fld id="{3881C039-66A3-4640-815B-3B5A8B7D868D}" type="datetimeFigureOut">
               <a:rPr lang="en-US" smtClean="0"/>
-              <a:t>3/15/2021</a:t>
+              <a:t>2/28/2023</a:t>
             </a:fld>
             <a:endParaRPr lang="en-US"/>
           </a:p>
@@ -5645,7 +5645,7 @@
                 </a:solidFill>
                 <a:latin typeface="Selawik Semibold" panose="020B0702040204020203" pitchFamily="34" charset="0"/>
               </a:rPr>
-              <a:t>a -23 </a:t>
+              <a:t>a -13 </a:t>
             </a:r>
             <a:r>
               <a:rPr lang="en-US" sz="2000" dirty="0">
@@ -13782,7 +13782,7 @@
                 </a:solidFill>
                 <a:latin typeface="Selawik Semibold" panose="020B0702040204020203" pitchFamily="34" charset="0"/>
               </a:rPr>
-              <a:t>Pacers Lineup A={JO,DG,JT,TM,MD} Played 326 Minutes</a:t>
+              <a:t>Warriors 2A={SC,KT,AI,KD,DG} Played 225 Minutes</a:t>
             </a:r>
           </a:p>
           <a:p>
@@ -13796,7 +13796,7 @@
                 </a:solidFill>
                 <a:latin typeface="Selawik Semibold" panose="020B0702040204020203" pitchFamily="34" charset="0"/>
               </a:rPr>
-              <a:t>This is Equivalent to 6.79 Full Games</a:t>
+              <a:t>This is Equivalent to 4.69 Full Games</a:t>
             </a:r>
           </a:p>
           <a:p>
@@ -13810,7 +13810,7 @@
                 </a:solidFill>
                 <a:latin typeface="Selawik Semibold" panose="020B0702040204020203" pitchFamily="34" charset="0"/>
               </a:rPr>
-              <a:t>Outscored Opponents by 11 Points (Pure +/-)</a:t>
+              <a:t>Outscored Opponents by 125 Points (Pure +/-)</a:t>
             </a:r>
           </a:p>
           <a:p>
@@ -13860,7 +13860,7 @@
                 </a:solidFill>
                 <a:latin typeface="Selawik Semibold" panose="020B0702040204020203" pitchFamily="34" charset="0"/>
               </a:rPr>
-              <a:t>Lineup Played Against Opposition Lineups Averaging +1.89 Points Better Than Average Team</a:t>
+              <a:t>Lineup Played Against Opposition Lineups Averaging +2.67 Points Better Than Average Team</a:t>
             </a:r>
           </a:p>
           <a:p>
@@ -13874,54 +13874,8 @@
                 </a:solidFill>
                 <a:latin typeface="Selawik Semibold" panose="020B0702040204020203" pitchFamily="34" charset="0"/>
               </a:rPr>
-              <a:t>Pacers Lineup A has Adjusted +/- of 1.61+1.89=+3.5 Points Better Than Average Lineup</a:t>
+              <a:t>Warriors 2A Lineup has Adjusted +/- of 26.67+2.67=+29.67 Points Better Than Average Lineup</a:t>
             </a:r>
-          </a:p>
-          <a:p>
-            <a:pPr lvl="1">
-              <a:buSzPct val="100000"/>
-            </a:pPr>
-            <a:endParaRPr lang="en-US" sz="2000" dirty="0">
-              <a:solidFill>
-                <a:schemeClr val="bg1"/>
-              </a:solidFill>
-              <a:latin typeface="Selawik Semibold" panose="020B0702040204020203" pitchFamily="34" charset="0"/>
-            </a:endParaRPr>
-          </a:p>
-          <a:p>
-            <a:pPr marL="0" indent="0">
-              <a:buSzPct val="100000"/>
-              <a:buNone/>
-            </a:pPr>
-            <a:endParaRPr lang="en-US" sz="2400" dirty="0">
-              <a:solidFill>
-                <a:schemeClr val="bg1"/>
-              </a:solidFill>
-              <a:latin typeface="Selawik Semibold" panose="020B0702040204020203" pitchFamily="34" charset="0"/>
-            </a:endParaRPr>
-          </a:p>
-          <a:p>
-            <a:pPr marL="0" indent="0">
-              <a:buSzPct val="100000"/>
-              <a:buNone/>
-            </a:pPr>
-            <a:endParaRPr lang="en-US" sz="2400" dirty="0">
-              <a:solidFill>
-                <a:schemeClr val="bg1"/>
-              </a:solidFill>
-              <a:latin typeface="Selawik Semibold" panose="020B0702040204020203" pitchFamily="34" charset="0"/>
-            </a:endParaRPr>
-          </a:p>
-          <a:p>
-            <a:pPr lvl="1">
-              <a:buSzPct val="100000"/>
-            </a:pPr>
-            <a:endParaRPr lang="en-US" sz="2000" dirty="0">
-              <a:solidFill>
-                <a:schemeClr val="bg1"/>
-              </a:solidFill>
-              <a:latin typeface="Selawik Semibold" panose="020B0702040204020203" pitchFamily="34" charset="0"/>
-            </a:endParaRPr>
           </a:p>
         </p:txBody>
       </p:sp>
@@ -14481,7 +14435,7 @@
             <p:spPr>
               <a:xfrm>
                 <a:off x="2402087" y="3039622"/>
-                <a:ext cx="4512536" cy="670568"/>
+                <a:ext cx="4512536" cy="697114"/>
               </a:xfrm>
               <a:prstGeom prst="rect">
                 <a:avLst/>
@@ -14520,7 +14474,7 @@
                               </a:solidFill>
                               <a:latin typeface="Cambria Math" panose="02040503050406030204" pitchFamily="18" charset="0"/>
                             </a:rPr>
-                            <m:t>11</m:t>
+                            <m:t>125</m:t>
                           </m:r>
                         </m:num>
                         <m:den>
@@ -14531,7 +14485,7 @@
                               </a:solidFill>
                               <a:latin typeface="Cambria Math" panose="02040503050406030204" pitchFamily="18" charset="0"/>
                             </a:rPr>
-                            <m:t>6.79</m:t>
+                            <m:t>4.69</m:t>
                           </m:r>
                         </m:den>
                       </m:f>
@@ -14542,7 +14496,7 @@
                           </a:solidFill>
                           <a:latin typeface="Cambria Math" panose="02040503050406030204" pitchFamily="18" charset="0"/>
                         </a:rPr>
-                        <m:t>=+1.61 </m:t>
+                        <m:t>=+26.67 </m:t>
                       </m:r>
                       <m:r>
                         <a:rPr lang="en-US" sz="2000" b="0" i="1" smtClean="0">
@@ -14619,7 +14573,7 @@
             <p:spPr>
               <a:xfrm>
                 <a:off x="2402087" y="3039622"/>
-                <a:ext cx="4512536" cy="670568"/>
+                <a:ext cx="4512536" cy="697114"/>
               </a:xfrm>
               <a:prstGeom prst="rect">
                 <a:avLst/>
@@ -17065,7 +17019,7 @@
                 </a:solidFill>
                 <a:latin typeface="Selawik Semibold" panose="020B0702040204020203" pitchFamily="34" charset="0"/>
               </a:rPr>
-              <a:t>Example: Competing Cavs Lineups (2006-2007)</a:t>
+              <a:t>Example: Competing Cavs Lineups (2016-2017)</a:t>
             </a:r>
           </a:p>
           <a:p>
@@ -17079,7 +17033,7 @@
                 </a:solidFill>
                 <a:latin typeface="Selawik Semibold" panose="020B0702040204020203" pitchFamily="34" charset="0"/>
               </a:rPr>
-              <a:t>Lineup 1 {DG,LH,LJ,SP,AV} with Adjusted +/-  of 25</a:t>
+              <a:t>Lineup 1 With Bazemore: Adjusted +/-  of -2.4</a:t>
             </a:r>
           </a:p>
           <a:p>
@@ -17093,7 +17047,7 @@
                 </a:solidFill>
                 <a:latin typeface="Selawik Semibold" panose="020B0702040204020203" pitchFamily="34" charset="0"/>
               </a:rPr>
-              <a:t>Lineup 2 {DG,LH,LJ,ES,AV} with Adjusted +/-  of -14</a:t>
+              <a:t>Lineup 2 With Tim Hardaway Jr.: Adjusted +/-  of 28</a:t>
             </a:r>
           </a:p>
           <a:p>
@@ -17107,7 +17061,7 @@
                 </a:solidFill>
                 <a:latin typeface="Selawik Semibold" panose="020B0702040204020203" pitchFamily="34" charset="0"/>
               </a:rPr>
-              <a:t>Lineup 1 Played 124 Minutes or 2.6 Games</a:t>
+              <a:t>Lineup 1 Played 426 Minutes or 8.875 Games</a:t>
             </a:r>
           </a:p>
           <a:p>
@@ -17121,7 +17075,7 @@
                 </a:solidFill>
                 <a:latin typeface="Selawik Semibold" panose="020B0702040204020203" pitchFamily="34" charset="0"/>
               </a:rPr>
-              <a:t>Lineup 2 Played 156 Minutes or 3.3 Games</a:t>
+              <a:t>Lineup 2 Played 126 Minutes or 2.625 Games</a:t>
             </a:r>
           </a:p>
           <a:p>
@@ -17135,7 +17089,7 @@
                 </a:solidFill>
                 <a:latin typeface="Selawik Semibold" panose="020B0702040204020203" pitchFamily="34" charset="0"/>
               </a:rPr>
-              <a:t>Question: Was Lineup 1 Significantly Better than Lineup 2?</a:t>
+              <a:t>Question: Was Lineup 2 Significantly Better than Lineup 1?</a:t>
             </a:r>
           </a:p>
           <a:p>
@@ -17725,41 +17679,6 @@
           </a:fontRef>
         </p:style>
       </p:cxnSp>
-      <p:pic>
-        <p:nvPicPr>
-          <p:cNvPr id="5" name="Picture 4">
-            <a:extLst>
-              <a:ext uri="{FF2B5EF4-FFF2-40B4-BE49-F238E27FC236}">
-                <a16:creationId xmlns:a16="http://schemas.microsoft.com/office/drawing/2014/main" id="{B9085BE4-6F83-45D1-BA58-B0C5D14C7DAF}"/>
-              </a:ext>
-            </a:extLst>
-          </p:cNvPr>
-          <p:cNvPicPr>
-            <a:picLocks noChangeAspect="1"/>
-          </p:cNvPicPr>
-          <p:nvPr/>
-        </p:nvPicPr>
-        <p:blipFill>
-          <a:blip r:embed="rId6"/>
-          <a:stretch>
-            <a:fillRect/>
-          </a:stretch>
-        </p:blipFill>
-        <p:spPr>
-          <a:xfrm>
-            <a:off x="3282030" y="3612669"/>
-            <a:ext cx="5627939" cy="2068051"/>
-          </a:xfrm>
-          <a:prstGeom prst="rect">
-            <a:avLst/>
-          </a:prstGeom>
-          <a:ln w="38100">
-            <a:solidFill>
-              <a:srgbClr val="A6A1A1"/>
-            </a:solidFill>
-          </a:ln>
-        </p:spPr>
-      </p:pic>
       <p:cxnSp>
         <p:nvCxnSpPr>
           <p:cNvPr id="22" name="Straight Arrow Connector 21">
@@ -17776,7 +17695,7 @@
         </p:nvCxnSpPr>
         <p:spPr>
           <a:xfrm>
-            <a:off x="4577442" y="5769658"/>
+            <a:off x="4577442" y="5797689"/>
             <a:ext cx="0" cy="421018"/>
           </a:xfrm>
           <a:prstGeom prst="straightConnector1">
@@ -17918,16 +17837,7 @@
                               </a:solidFill>
                               <a:latin typeface="Cambria Math" panose="02040503050406030204" pitchFamily="18" charset="0"/>
                             </a:rPr>
-                            <m:t>1</m:t>
-                          </m:r>
-                          <m:r>
-                            <a:rPr lang="en-US" sz="2000" b="0" i="1" smtClean="0">
-                              <a:solidFill>
-                                <a:schemeClr val="bg1"/>
-                              </a:solidFill>
-                              <a:latin typeface="Cambria Math" panose="02040503050406030204" pitchFamily="18" charset="0"/>
-                            </a:rPr>
-                            <m:t>44</m:t>
+                            <m:t>144</m:t>
                           </m:r>
                         </m:num>
                         <m:den>
@@ -17938,7 +17848,7 @@
                               </a:solidFill>
                               <a:latin typeface="Cambria Math" panose="02040503050406030204" pitchFamily="18" charset="0"/>
                             </a:rPr>
-                            <m:t>2.58</m:t>
+                            <m:t>8.875</m:t>
                           </m:r>
                         </m:den>
                       </m:f>
@@ -17981,7 +17891,7 @@
                               </a:solidFill>
                               <a:latin typeface="Cambria Math" panose="02040503050406030204" pitchFamily="18" charset="0"/>
                             </a:rPr>
-                            <m:t>3.25</m:t>
+                            <m:t>2.625</m:t>
                           </m:r>
                         </m:den>
                       </m:f>
@@ -18021,7 +17931,7 @@
                 <a:avLst/>
               </a:prstGeom>
               <a:blipFill>
-                <a:blip r:embed="rId7"/>
+                <a:blip r:embed="rId6"/>
                 <a:stretch>
                   <a:fillRect/>
                 </a:stretch>
@@ -18042,50 +17952,6 @@
           </p:sp>
         </mc:Fallback>
       </mc:AlternateContent>
-      <p:cxnSp>
-        <p:nvCxnSpPr>
-          <p:cNvPr id="26" name="Straight Arrow Connector 25">
-            <a:extLst>
-              <a:ext uri="{FF2B5EF4-FFF2-40B4-BE49-F238E27FC236}">
-                <a16:creationId xmlns:a16="http://schemas.microsoft.com/office/drawing/2014/main" id="{A0AFEC1F-0332-44F8-BE99-8C29913BF6B5}"/>
-              </a:ext>
-            </a:extLst>
-          </p:cNvPr>
-          <p:cNvCxnSpPr>
-            <a:cxnSpLocks/>
-          </p:cNvCxnSpPr>
-          <p:nvPr/>
-        </p:nvCxnSpPr>
-        <p:spPr>
-          <a:xfrm>
-            <a:off x="7979580" y="5769658"/>
-            <a:ext cx="0" cy="421018"/>
-          </a:xfrm>
-          <a:prstGeom prst="straightConnector1">
-            <a:avLst/>
-          </a:prstGeom>
-          <a:ln w="57150">
-            <a:solidFill>
-              <a:srgbClr val="D34817"/>
-            </a:solidFill>
-            <a:tailEnd type="triangle"/>
-          </a:ln>
-        </p:spPr>
-        <p:style>
-          <a:lnRef idx="1">
-            <a:schemeClr val="accent1"/>
-          </a:lnRef>
-          <a:fillRef idx="0">
-            <a:schemeClr val="accent1"/>
-          </a:fillRef>
-          <a:effectRef idx="0">
-            <a:schemeClr val="accent1"/>
-          </a:effectRef>
-          <a:fontRef idx="minor">
-            <a:schemeClr val="tx1"/>
-          </a:fontRef>
-        </p:style>
-      </p:cxnSp>
       <mc:AlternateContent xmlns:mc="http://schemas.openxmlformats.org/markup-compatibility/2006">
         <mc:Choice xmlns:a14="http://schemas.microsoft.com/office/drawing/2010/main" Requires="a14">
           <p:sp>
@@ -18102,7 +17968,7 @@
             </p:nvSpPr>
             <p:spPr>
               <a:xfrm>
-                <a:off x="5689886" y="6147690"/>
+                <a:off x="5505907" y="5895344"/>
                 <a:ext cx="6046536" cy="400110"/>
               </a:xfrm>
               <a:prstGeom prst="rect">
@@ -18130,7 +17996,7 @@
                           </a:solidFill>
                           <a:latin typeface="Cambria Math" panose="02040503050406030204" pitchFamily="18" charset="0"/>
                         </a:rPr>
-                        <m:t>1−</m:t>
+                        <m:t>𝑝</m:t>
                       </m:r>
                       <m:r>
                         <a:rPr lang="en-US" sz="2000" b="0" i="1" smtClean="0">
@@ -18139,7 +18005,7 @@
                           </a:solidFill>
                           <a:latin typeface="Cambria Math" panose="02040503050406030204" pitchFamily="18" charset="0"/>
                         </a:rPr>
-                        <m:t>𝑁𝑂𝑅𝑀</m:t>
+                        <m:t>−</m:t>
                       </m:r>
                       <m:r>
                         <a:rPr lang="en-US" sz="2000" b="0" i="1" smtClean="0">
@@ -18148,7 +18014,7 @@
                           </a:solidFill>
                           <a:latin typeface="Cambria Math" panose="02040503050406030204" pitchFamily="18" charset="0"/>
                         </a:rPr>
-                        <m:t>.</m:t>
+                        <m:t>𝑣𝑎𝑙𝑢𝑒</m:t>
                       </m:r>
                       <m:r>
                         <a:rPr lang="en-US" sz="2000" b="0" i="1" smtClean="0">
@@ -18157,35 +18023,76 @@
                           </a:solidFill>
                           <a:latin typeface="Cambria Math" panose="02040503050406030204" pitchFamily="18" charset="0"/>
                         </a:rPr>
-                        <m:t>𝐷𝐼𝑆𝑇</m:t>
+                        <m:t>=</m:t>
                       </m:r>
                       <m:r>
-                        <a:rPr lang="en-US" sz="2000" b="0" i="1" smtClean="0">
+                        <a:rPr lang="en-US" sz="2000" i="1" smtClean="0">
                           <a:solidFill>
                             <a:schemeClr val="bg1"/>
                           </a:solidFill>
                           <a:latin typeface="Cambria Math" panose="02040503050406030204" pitchFamily="18" charset="0"/>
                         </a:rPr>
-                        <m:t>(39,0,10.002,</m:t>
+                        <m:t>𝑝𝑛𝑜𝑟𝑚</m:t>
                       </m:r>
-                      <m:r>
-                        <a:rPr lang="en-US" sz="2000" b="0" i="1" smtClean="0">
-                          <a:solidFill>
-                            <a:schemeClr val="bg1"/>
-                          </a:solidFill>
-                          <a:latin typeface="Cambria Math" panose="02040503050406030204" pitchFamily="18" charset="0"/>
-                        </a:rPr>
-                        <m:t>𝑇𝑅𝑈𝐸</m:t>
-                      </m:r>
-                      <m:r>
-                        <a:rPr lang="en-US" sz="2000" b="0" i="1" smtClean="0">
-                          <a:solidFill>
-                            <a:schemeClr val="bg1"/>
-                          </a:solidFill>
-                          <a:latin typeface="Cambria Math" panose="02040503050406030204" pitchFamily="18" charset="0"/>
-                        </a:rPr>
-                        <m:t>)</m:t>
-                      </m:r>
+                      <m:d>
+                        <m:dPr>
+                          <m:ctrlPr>
+                            <a:rPr lang="en-US" sz="2000" i="1" smtClean="0">
+                              <a:solidFill>
+                                <a:schemeClr val="bg1"/>
+                              </a:solidFill>
+                              <a:latin typeface="Cambria Math" panose="02040503050406030204" pitchFamily="18" charset="0"/>
+                            </a:rPr>
+                          </m:ctrlPr>
+                        </m:dPr>
+                        <m:e>
+                          <m:r>
+                            <a:rPr lang="en-US" sz="2000" i="1" smtClean="0">
+                              <a:solidFill>
+                                <a:schemeClr val="bg1"/>
+                              </a:solidFill>
+                              <a:latin typeface="Cambria Math" panose="02040503050406030204" pitchFamily="18" charset="0"/>
+                            </a:rPr>
+                            <m:t>-30.4,</m:t>
+                          </m:r>
+                          <m:r>
+                            <a:rPr lang="en-US" sz="2000" i="1" smtClean="0">
+                              <a:solidFill>
+                                <a:schemeClr val="bg1"/>
+                              </a:solidFill>
+                              <a:latin typeface="Cambria Math" panose="02040503050406030204" pitchFamily="18" charset="0"/>
+                            </a:rPr>
+                            <m:t>𝑚𝑒𝑎𝑛</m:t>
+                          </m:r>
+                          <m:r>
+                            <a:rPr lang="en-US" sz="2000" i="1" smtClean="0">
+                              <a:solidFill>
+                                <a:schemeClr val="bg1"/>
+                              </a:solidFill>
+                              <a:latin typeface="Cambria Math" panose="02040503050406030204" pitchFamily="18" charset="0"/>
+                            </a:rPr>
+                            <m:t>=0,</m:t>
+                          </m:r>
+                          <m:r>
+                            <a:rPr lang="en-US" sz="2000" i="1" smtClean="0">
+                              <a:solidFill>
+                                <a:schemeClr val="bg1"/>
+                              </a:solidFill>
+                              <a:latin typeface="Cambria Math" panose="02040503050406030204" pitchFamily="18" charset="0"/>
+                            </a:rPr>
+                            <m:t>𝑠𝑑</m:t>
+                          </m:r>
+                          <m:r>
+                            <a:rPr lang="en-US" sz="2000" i="1" smtClean="0">
+                              <a:solidFill>
+                                <a:schemeClr val="bg1"/>
+                              </a:solidFill>
+                              <a:latin typeface="Cambria Math" panose="02040503050406030204" pitchFamily="18" charset="0"/>
+                            </a:rPr>
+                            <m:t>=8.43</m:t>
+                          </m:r>
+                        </m:e>
+                      </m:d>
                     </m:oMath>
                   </m:oMathPara>
                 </a14:m>
@@ -18215,16 +18122,158 @@
             </p:nvSpPr>
             <p:spPr>
               <a:xfrm>
-                <a:off x="5689886" y="6147690"/>
+                <a:off x="5505907" y="5895344"/>
                 <a:ext cx="6046536" cy="400110"/>
               </a:xfrm>
               <a:prstGeom prst="rect">
                 <a:avLst/>
               </a:prstGeom>
               <a:blipFill>
-                <a:blip r:embed="rId8"/>
+                <a:blip r:embed="rId7"/>
                 <a:stretch>
-                  <a:fillRect b="-18182"/>
+                  <a:fillRect b="-10606"/>
+                </a:stretch>
+              </a:blipFill>
+            </p:spPr>
+            <p:txBody>
+              <a:bodyPr/>
+              <a:lstStyle/>
+              <a:p>
+                <a:r>
+                  <a:rPr lang="en-US">
+                    <a:noFill/>
+                  </a:rPr>
+                  <a:t> </a:t>
+                </a:r>
+              </a:p>
+            </p:txBody>
+          </p:sp>
+        </mc:Fallback>
+      </mc:AlternateContent>
+      <p:pic>
+        <p:nvPicPr>
+          <p:cNvPr id="4" name="Picture 3">
+            <a:extLst>
+              <a:ext uri="{FF2B5EF4-FFF2-40B4-BE49-F238E27FC236}">
+                <a16:creationId xmlns:a16="http://schemas.microsoft.com/office/drawing/2014/main" id="{730AC862-D758-C01E-1FA1-1E29982CF58B}"/>
+              </a:ext>
+            </a:extLst>
+          </p:cNvPr>
+          <p:cNvPicPr>
+            <a:picLocks noChangeAspect="1"/>
+          </p:cNvPicPr>
+          <p:nvPr/>
+        </p:nvPicPr>
+        <p:blipFill>
+          <a:blip r:embed="rId8"/>
+          <a:stretch>
+            <a:fillRect/>
+          </a:stretch>
+        </p:blipFill>
+        <p:spPr>
+          <a:xfrm>
+            <a:off x="2616556" y="3502164"/>
+            <a:ext cx="6191250" cy="2295525"/>
+          </a:xfrm>
+          <a:prstGeom prst="rect">
+            <a:avLst/>
+          </a:prstGeom>
+        </p:spPr>
+      </p:pic>
+      <mc:AlternateContent xmlns:mc="http://schemas.openxmlformats.org/markup-compatibility/2006">
+        <mc:Choice xmlns:a14="http://schemas.microsoft.com/office/drawing/2010/main" Requires="a14">
+          <p:sp>
+            <p:nvSpPr>
+              <p:cNvPr id="7" name="TextBox 6">
+                <a:extLst>
+                  <a:ext uri="{FF2B5EF4-FFF2-40B4-BE49-F238E27FC236}">
+                    <a16:creationId xmlns:a16="http://schemas.microsoft.com/office/drawing/2014/main" id="{B022277E-E740-07A1-620B-50F21C4E8AF5}"/>
+                  </a:ext>
+                </a:extLst>
+              </p:cNvPr>
+              <p:cNvSpPr txBox="1"/>
+              <p:nvPr/>
+            </p:nvSpPr>
+            <p:spPr>
+              <a:xfrm>
+                <a:off x="4508322" y="6218707"/>
+                <a:ext cx="6046536" cy="400110"/>
+              </a:xfrm>
+              <a:prstGeom prst="rect">
+                <a:avLst/>
+              </a:prstGeom>
+              <a:noFill/>
+            </p:spPr>
+            <p:txBody>
+              <a:bodyPr wrap="square" rtlCol="0">
+                <a:spAutoFit/>
+              </a:bodyPr>
+              <a:lstStyle/>
+              <a:p>
+                <a:pPr/>
+                <a14:m>
+                  <m:oMathPara xmlns:m="http://schemas.openxmlformats.org/officeDocument/2006/math">
+                    <m:oMathParaPr>
+                      <m:jc m:val="centerGroup"/>
+                    </m:oMathParaPr>
+                    <m:oMath xmlns:m="http://schemas.openxmlformats.org/officeDocument/2006/math">
+                      <m:r>
+                        <a:rPr lang="en-US" sz="2000" i="1" smtClean="0">
+                          <a:solidFill>
+                            <a:schemeClr val="bg1"/>
+                          </a:solidFill>
+                          <a:latin typeface="Cambria Math" panose="02040503050406030204" pitchFamily="18" charset="0"/>
+                        </a:rPr>
+                        <m:t>=</m:t>
+                      </m:r>
+                      <m:r>
+                        <a:rPr lang="en-US" sz="2000" b="0" i="1" smtClean="0">
+                          <a:solidFill>
+                            <a:schemeClr val="bg1"/>
+                          </a:solidFill>
+                          <a:latin typeface="Cambria Math" panose="02040503050406030204" pitchFamily="18" charset="0"/>
+                        </a:rPr>
+                        <m:t>0.0002</m:t>
+                      </m:r>
+                    </m:oMath>
+                  </m:oMathPara>
+                </a14:m>
+                <a:endParaRPr lang="en-US" sz="2000" dirty="0">
+                  <a:solidFill>
+                    <a:schemeClr val="bg1"/>
+                  </a:solidFill>
+                </a:endParaRPr>
+              </a:p>
+            </p:txBody>
+          </p:sp>
+        </mc:Choice>
+        <mc:Fallback>
+          <p:sp>
+            <p:nvSpPr>
+              <p:cNvPr id="7" name="TextBox 6">
+                <a:extLst>
+                  <a:ext uri="{FF2B5EF4-FFF2-40B4-BE49-F238E27FC236}">
+                    <a16:creationId xmlns:a16="http://schemas.microsoft.com/office/drawing/2014/main" id="{B022277E-E740-07A1-620B-50F21C4E8AF5}"/>
+                  </a:ext>
+                </a:extLst>
+              </p:cNvPr>
+              <p:cNvSpPr txBox="1">
+                <a:spLocks noRot="1" noChangeAspect="1" noMove="1" noResize="1" noEditPoints="1" noAdjustHandles="1" noChangeArrowheads="1" noChangeShapeType="1" noTextEdit="1"/>
+              </p:cNvSpPr>
+              <p:nvPr/>
+            </p:nvSpPr>
+            <p:spPr>
+              <a:xfrm>
+                <a:off x="4508322" y="6218707"/>
+                <a:ext cx="6046536" cy="400110"/>
+              </a:xfrm>
+              <a:prstGeom prst="rect">
+                <a:avLst/>
+              </a:prstGeom>
+              <a:blipFill>
+                <a:blip r:embed="rId9"/>
+                <a:stretch>
+                  <a:fillRect/>
                 </a:stretch>
               </a:blipFill>
             </p:spPr>
@@ -18246,7 +18295,7 @@
     </p:spTree>
     <p:extLst>
       <p:ext uri="{BB962C8B-B14F-4D97-AF65-F5344CB8AC3E}">
-        <p14:creationId xmlns:p14="http://schemas.microsoft.com/office/powerpoint/2010/main" val="4205226730"/>
+        <p14:creationId xmlns:p14="http://schemas.microsoft.com/office/powerpoint/2010/main" val="3552454836"/>
       </p:ext>
     </p:extLst>
   </p:cSld>
@@ -18522,7 +18571,7 @@
                 </a:solidFill>
                 <a:latin typeface="Selawik Semibold" panose="020B0702040204020203" pitchFamily="34" charset="0"/>
               </a:rPr>
-              <a:t>Example (2006-2007): </a:t>
+              <a:t>Example (2016-2017): </a:t>
             </a:r>
           </a:p>
           <a:p>
@@ -19336,10 +19385,10 @@
       </mc:AlternateContent>
       <p:pic>
         <p:nvPicPr>
-          <p:cNvPr id="4" name="Picture 3">
-            <a:extLst>
-              <a:ext uri="{FF2B5EF4-FFF2-40B4-BE49-F238E27FC236}">
-                <a16:creationId xmlns:a16="http://schemas.microsoft.com/office/drawing/2014/main" id="{9C52D9F3-F5CF-4A30-8BDA-30A7997ED233}"/>
+          <p:cNvPr id="5" name="Picture 4">
+            <a:extLst>
+              <a:ext uri="{FF2B5EF4-FFF2-40B4-BE49-F238E27FC236}">
+                <a16:creationId xmlns:a16="http://schemas.microsoft.com/office/drawing/2014/main" id="{ED00BB89-2F6E-8C3B-6C2F-AF3E2006CDF4}"/>
               </a:ext>
             </a:extLst>
           </p:cNvPr>
@@ -19356,17 +19405,12 @@
         </p:blipFill>
         <p:spPr>
           <a:xfrm>
-            <a:off x="5335915" y="3796615"/>
-            <a:ext cx="6716312" cy="2951755"/>
+            <a:off x="2628757" y="4243080"/>
+            <a:ext cx="7723490" cy="2466906"/>
           </a:xfrm>
           <a:prstGeom prst="rect">
             <a:avLst/>
           </a:prstGeom>
-          <a:ln w="38100">
-            <a:solidFill>
-              <a:srgbClr val="A6A1A1"/>
-            </a:solidFill>
-          </a:ln>
         </p:spPr>
       </p:pic>
     </p:spTree>

--- a/Slides/Basketball 3/Basketball_3_Lecture.pptx
+++ b/Slides/Basketball 3/Basketball_3_Lecture.pptx
@@ -224,7 +224,7 @@
           <a:p>
             <a:fld id="{C04E5E84-956F-4423-97B3-5936A6D8EEEE}" type="datetimeFigureOut">
               <a:rPr lang="en-US" smtClean="0"/>
-              <a:t>2/28/2023</a:t>
+              <a:t>3/8/2023</a:t>
             </a:fld>
             <a:endParaRPr lang="en-US"/>
           </a:p>
@@ -685,7 +685,7 @@
           <a:p>
             <a:fld id="{3881C039-66A3-4640-815B-3B5A8B7D868D}" type="datetimeFigureOut">
               <a:rPr lang="en-US" smtClean="0"/>
-              <a:t>2/28/2023</a:t>
+              <a:t>3/8/2023</a:t>
             </a:fld>
             <a:endParaRPr lang="en-US"/>
           </a:p>
@@ -855,7 +855,7 @@
           <a:p>
             <a:fld id="{3881C039-66A3-4640-815B-3B5A8B7D868D}" type="datetimeFigureOut">
               <a:rPr lang="en-US" smtClean="0"/>
-              <a:t>2/28/2023</a:t>
+              <a:t>3/8/2023</a:t>
             </a:fld>
             <a:endParaRPr lang="en-US"/>
           </a:p>
@@ -1076,7 +1076,7 @@
           <a:p>
             <a:fld id="{3881C039-66A3-4640-815B-3B5A8B7D868D}" type="datetimeFigureOut">
               <a:rPr lang="en-US" smtClean="0"/>
-              <a:t>2/28/2023</a:t>
+              <a:t>3/8/2023</a:t>
             </a:fld>
             <a:endParaRPr lang="en-US"/>
           </a:p>
@@ -1287,7 +1287,7 @@
           <a:p>
             <a:fld id="{3881C039-66A3-4640-815B-3B5A8B7D868D}" type="datetimeFigureOut">
               <a:rPr lang="en-US" smtClean="0"/>
-              <a:t>2/28/2023</a:t>
+              <a:t>3/8/2023</a:t>
             </a:fld>
             <a:endParaRPr lang="en-US"/>
           </a:p>
@@ -1582,7 +1582,7 @@
           <a:p>
             <a:fld id="{3881C039-66A3-4640-815B-3B5A8B7D868D}" type="datetimeFigureOut">
               <a:rPr lang="en-US" smtClean="0"/>
-              <a:t>2/28/2023</a:t>
+              <a:t>3/8/2023</a:t>
             </a:fld>
             <a:endParaRPr lang="en-US"/>
           </a:p>
@@ -1911,7 +1911,7 @@
           <a:p>
             <a:fld id="{3881C039-66A3-4640-815B-3B5A8B7D868D}" type="datetimeFigureOut">
               <a:rPr lang="en-US" smtClean="0"/>
-              <a:t>2/28/2023</a:t>
+              <a:t>3/8/2023</a:t>
             </a:fld>
             <a:endParaRPr lang="en-US"/>
           </a:p>
@@ -2403,7 +2403,7 @@
           <a:p>
             <a:fld id="{3881C039-66A3-4640-815B-3B5A8B7D868D}" type="datetimeFigureOut">
               <a:rPr lang="en-US" smtClean="0"/>
-              <a:t>2/28/2023</a:t>
+              <a:t>3/8/2023</a:t>
             </a:fld>
             <a:endParaRPr lang="en-US"/>
           </a:p>
@@ -2562,7 +2562,7 @@
           <a:p>
             <a:fld id="{3881C039-66A3-4640-815B-3B5A8B7D868D}" type="datetimeFigureOut">
               <a:rPr lang="en-US" smtClean="0"/>
-              <a:t>2/28/2023</a:t>
+              <a:t>3/8/2023</a:t>
             </a:fld>
             <a:endParaRPr lang="en-US"/>
           </a:p>
@@ -2698,7 +2698,7 @@
           <a:p>
             <a:fld id="{3881C039-66A3-4640-815B-3B5A8B7D868D}" type="datetimeFigureOut">
               <a:rPr lang="en-US" smtClean="0"/>
-              <a:t>2/28/2023</a:t>
+              <a:t>3/8/2023</a:t>
             </a:fld>
             <a:endParaRPr lang="en-US"/>
           </a:p>
@@ -3026,7 +3026,7 @@
           <a:p>
             <a:fld id="{3881C039-66A3-4640-815B-3B5A8B7D868D}" type="datetimeFigureOut">
               <a:rPr lang="en-US" smtClean="0"/>
-              <a:t>2/28/2023</a:t>
+              <a:t>3/8/2023</a:t>
             </a:fld>
             <a:endParaRPr lang="en-US"/>
           </a:p>
@@ -3341,7 +3341,7 @@
           <a:p>
             <a:fld id="{3881C039-66A3-4640-815B-3B5A8B7D868D}" type="datetimeFigureOut">
               <a:rPr lang="en-US" smtClean="0"/>
-              <a:t>2/28/2023</a:t>
+              <a:t>3/8/2023</a:t>
             </a:fld>
             <a:endParaRPr lang="en-US"/>
           </a:p>
@@ -3593,7 +3593,7 @@
           <a:p>
             <a:fld id="{3881C039-66A3-4640-815B-3B5A8B7D868D}" type="datetimeFigureOut">
               <a:rPr lang="en-US" smtClean="0"/>
-              <a:t>2/28/2023</a:t>
+              <a:t>3/8/2023</a:t>
             </a:fld>
             <a:endParaRPr lang="en-US"/>
           </a:p>
@@ -17723,8 +17723,8 @@
           </a:fontRef>
         </p:style>
       </p:cxnSp>
-      <mc:AlternateContent xmlns:mc="http://schemas.openxmlformats.org/markup-compatibility/2006">
-        <mc:Choice xmlns:a14="http://schemas.microsoft.com/office/drawing/2010/main" Requires="a14">
+      <mc:AlternateContent xmlns:mc="http://schemas.openxmlformats.org/markup-compatibility/2006" xmlns:a14="http://schemas.microsoft.com/office/drawing/2010/main">
+        <mc:Choice Requires="a14">
           <p:sp>
             <p:nvSpPr>
               <p:cNvPr id="25" name="TextBox 24">
@@ -17907,7 +17907,7 @@
             </p:txBody>
           </p:sp>
         </mc:Choice>
-        <mc:Fallback>
+        <mc:Fallback xmlns="">
           <p:sp>
             <p:nvSpPr>
               <p:cNvPr id="25" name="TextBox 24">
@@ -17952,8 +17952,8 @@
           </p:sp>
         </mc:Fallback>
       </mc:AlternateContent>
-      <mc:AlternateContent xmlns:mc="http://schemas.openxmlformats.org/markup-compatibility/2006">
-        <mc:Choice xmlns:a14="http://schemas.microsoft.com/office/drawing/2010/main" Requires="a14">
+      <mc:AlternateContent xmlns:mc="http://schemas.openxmlformats.org/markup-compatibility/2006" xmlns:a14="http://schemas.microsoft.com/office/drawing/2010/main">
+        <mc:Choice Requires="a14">
           <p:sp>
             <p:nvSpPr>
               <p:cNvPr id="28" name="TextBox 27">
@@ -18053,7 +18053,7 @@
                               </a:solidFill>
                               <a:latin typeface="Cambria Math" panose="02040503050406030204" pitchFamily="18" charset="0"/>
                             </a:rPr>
-                            <m:t>-30.4,</m:t>
+                            <m:t>−30.4,</m:t>
                           </m:r>
                           <m:r>
                             <a:rPr lang="en-US" sz="2000" i="1" smtClean="0">
@@ -18105,7 +18105,7 @@
             </p:txBody>
           </p:sp>
         </mc:Choice>
-        <mc:Fallback>
+        <mc:Fallback xmlns="">
           <p:sp>
             <p:nvSpPr>
               <p:cNvPr id="28" name="TextBox 27">
@@ -18180,8 +18180,8 @@
           </a:prstGeom>
         </p:spPr>
       </p:pic>
-      <mc:AlternateContent xmlns:mc="http://schemas.openxmlformats.org/markup-compatibility/2006">
-        <mc:Choice xmlns:a14="http://schemas.microsoft.com/office/drawing/2010/main" Requires="a14">
+      <mc:AlternateContent xmlns:mc="http://schemas.openxmlformats.org/markup-compatibility/2006" xmlns:a14="http://schemas.microsoft.com/office/drawing/2010/main">
+        <mc:Choice Requires="a14">
           <p:sp>
             <p:nvSpPr>
               <p:cNvPr id="7" name="TextBox 6">
@@ -18247,7 +18247,7 @@
             </p:txBody>
           </p:sp>
         </mc:Choice>
-        <mc:Fallback>
+        <mc:Fallback xmlns="">
           <p:sp>
             <p:nvSpPr>
               <p:cNvPr id="7" name="TextBox 6">
@@ -18524,8 +18524,23 @@
                 </a:solidFill>
                 <a:latin typeface="Selawik Semibold" panose="020B0702040204020203" pitchFamily="34" charset="0"/>
               </a:rPr>
-              <a:t>Let PAPM Represent Player Adjusted +/- Rating for Player</a:t>
+              <a:t>Let PAPM Represent Player Adjusted </a:t>
             </a:r>
+            <a:r>
+              <a:rPr lang="en-US" sz="2000">
+                <a:solidFill>
+                  <a:schemeClr val="bg1"/>
+                </a:solidFill>
+                <a:latin typeface="Selawik Semibold" panose="020B0702040204020203" pitchFamily="34" charset="0"/>
+              </a:rPr>
+              <a:t>+/- Rating</a:t>
+            </a:r>
+            <a:endParaRPr lang="en-US" sz="2000" dirty="0">
+              <a:solidFill>
+                <a:schemeClr val="bg1"/>
+              </a:solidFill>
+              <a:latin typeface="Selawik Semibold" panose="020B0702040204020203" pitchFamily="34" charset="0"/>
+            </a:endParaRPr>
           </a:p>
           <a:p>
             <a:pPr lvl="1">
@@ -19411,6 +19426,11 @@
           <a:prstGeom prst="rect">
             <a:avLst/>
           </a:prstGeom>
+          <a:ln w="28575">
+            <a:solidFill>
+              <a:srgbClr val="A6A1A1"/>
+            </a:solidFill>
+          </a:ln>
         </p:spPr>
       </p:pic>
     </p:spTree>
@@ -20309,8 +20329,8 @@
         </p:nvSpPr>
         <p:spPr>
           <a:xfrm>
-            <a:off x="4029667" y="5330186"/>
-            <a:ext cx="4830641" cy="247385"/>
+            <a:off x="2633807" y="5330186"/>
+            <a:ext cx="6226502" cy="247385"/>
           </a:xfrm>
           <a:prstGeom prst="rect">
             <a:avLst/>
@@ -20361,8 +20381,8 @@
         </p:nvSpPr>
         <p:spPr>
           <a:xfrm>
-            <a:off x="4029667" y="5887693"/>
-            <a:ext cx="4830641" cy="247385"/>
+            <a:off x="2616557" y="5841635"/>
+            <a:ext cx="6243752" cy="293443"/>
           </a:xfrm>
           <a:prstGeom prst="rect">
             <a:avLst/>

--- a/Slides/Basketball 3/Basketball_3_Lecture.pptx
+++ b/Slides/Basketball 3/Basketball_3_Lecture.pptx
@@ -224,7 +224,7 @@
           <a:p>
             <a:fld id="{C04E5E84-956F-4423-97B3-5936A6D8EEEE}" type="datetimeFigureOut">
               <a:rPr lang="en-US" smtClean="0"/>
-              <a:t>3/8/2023</a:t>
+              <a:t>3/20/2024</a:t>
             </a:fld>
             <a:endParaRPr lang="en-US"/>
           </a:p>
@@ -685,7 +685,7 @@
           <a:p>
             <a:fld id="{3881C039-66A3-4640-815B-3B5A8B7D868D}" type="datetimeFigureOut">
               <a:rPr lang="en-US" smtClean="0"/>
-              <a:t>3/8/2023</a:t>
+              <a:t>3/20/2024</a:t>
             </a:fld>
             <a:endParaRPr lang="en-US"/>
           </a:p>
@@ -855,7 +855,7 @@
           <a:p>
             <a:fld id="{3881C039-66A3-4640-815B-3B5A8B7D868D}" type="datetimeFigureOut">
               <a:rPr lang="en-US" smtClean="0"/>
-              <a:t>3/8/2023</a:t>
+              <a:t>3/20/2024</a:t>
             </a:fld>
             <a:endParaRPr lang="en-US"/>
           </a:p>
@@ -1076,7 +1076,7 @@
           <a:p>
             <a:fld id="{3881C039-66A3-4640-815B-3B5A8B7D868D}" type="datetimeFigureOut">
               <a:rPr lang="en-US" smtClean="0"/>
-              <a:t>3/8/2023</a:t>
+              <a:t>3/20/2024</a:t>
             </a:fld>
             <a:endParaRPr lang="en-US"/>
           </a:p>
@@ -1287,7 +1287,7 @@
           <a:p>
             <a:fld id="{3881C039-66A3-4640-815B-3B5A8B7D868D}" type="datetimeFigureOut">
               <a:rPr lang="en-US" smtClean="0"/>
-              <a:t>3/8/2023</a:t>
+              <a:t>3/20/2024</a:t>
             </a:fld>
             <a:endParaRPr lang="en-US"/>
           </a:p>
@@ -1582,7 +1582,7 @@
           <a:p>
             <a:fld id="{3881C039-66A3-4640-815B-3B5A8B7D868D}" type="datetimeFigureOut">
               <a:rPr lang="en-US" smtClean="0"/>
-              <a:t>3/8/2023</a:t>
+              <a:t>3/20/2024</a:t>
             </a:fld>
             <a:endParaRPr lang="en-US"/>
           </a:p>
@@ -1911,7 +1911,7 @@
           <a:p>
             <a:fld id="{3881C039-66A3-4640-815B-3B5A8B7D868D}" type="datetimeFigureOut">
               <a:rPr lang="en-US" smtClean="0"/>
-              <a:t>3/8/2023</a:t>
+              <a:t>3/20/2024</a:t>
             </a:fld>
             <a:endParaRPr lang="en-US"/>
           </a:p>
@@ -2403,7 +2403,7 @@
           <a:p>
             <a:fld id="{3881C039-66A3-4640-815B-3B5A8B7D868D}" type="datetimeFigureOut">
               <a:rPr lang="en-US" smtClean="0"/>
-              <a:t>3/8/2023</a:t>
+              <a:t>3/20/2024</a:t>
             </a:fld>
             <a:endParaRPr lang="en-US"/>
           </a:p>
@@ -2562,7 +2562,7 @@
           <a:p>
             <a:fld id="{3881C039-66A3-4640-815B-3B5A8B7D868D}" type="datetimeFigureOut">
               <a:rPr lang="en-US" smtClean="0"/>
-              <a:t>3/8/2023</a:t>
+              <a:t>3/20/2024</a:t>
             </a:fld>
             <a:endParaRPr lang="en-US"/>
           </a:p>
@@ -2698,7 +2698,7 @@
           <a:p>
             <a:fld id="{3881C039-66A3-4640-815B-3B5A8B7D868D}" type="datetimeFigureOut">
               <a:rPr lang="en-US" smtClean="0"/>
-              <a:t>3/8/2023</a:t>
+              <a:t>3/20/2024</a:t>
             </a:fld>
             <a:endParaRPr lang="en-US"/>
           </a:p>
@@ -3026,7 +3026,7 @@
           <a:p>
             <a:fld id="{3881C039-66A3-4640-815B-3B5A8B7D868D}" type="datetimeFigureOut">
               <a:rPr lang="en-US" smtClean="0"/>
-              <a:t>3/8/2023</a:t>
+              <a:t>3/20/2024</a:t>
             </a:fld>
             <a:endParaRPr lang="en-US"/>
           </a:p>
@@ -3341,7 +3341,7 @@
           <a:p>
             <a:fld id="{3881C039-66A3-4640-815B-3B5A8B7D868D}" type="datetimeFigureOut">
               <a:rPr lang="en-US" smtClean="0"/>
-              <a:t>3/8/2023</a:t>
+              <a:t>3/20/2024</a:t>
             </a:fld>
             <a:endParaRPr lang="en-US"/>
           </a:p>
@@ -3593,7 +3593,7 @@
           <a:p>
             <a:fld id="{3881C039-66A3-4640-815B-3B5A8B7D868D}" type="datetimeFigureOut">
               <a:rPr lang="en-US" smtClean="0"/>
-              <a:t>3/8/2023</a:t>
+              <a:t>3/20/2024</a:t>
             </a:fld>
             <a:endParaRPr lang="en-US"/>
           </a:p>
@@ -17019,7 +17019,25 @@
                 </a:solidFill>
                 <a:latin typeface="Selawik Semibold" panose="020B0702040204020203" pitchFamily="34" charset="0"/>
               </a:rPr>
-              <a:t>Example: Competing Cavs Lineups (2016-2017)</a:t>
+              <a:t>Example: </a:t>
+            </a:r>
+            <a:r>
+              <a:rPr lang="en-US" sz="2400">
+                <a:solidFill>
+                  <a:schemeClr val="bg1"/>
+                </a:solidFill>
+                <a:latin typeface="Selawik Semibold" panose="020B0702040204020203" pitchFamily="34" charset="0"/>
+              </a:rPr>
+              <a:t>Competing Hawks </a:t>
+            </a:r>
+            <a:r>
+              <a:rPr lang="en-US" sz="2400" dirty="0">
+                <a:solidFill>
+                  <a:schemeClr val="bg1"/>
+                </a:solidFill>
+                <a:latin typeface="Selawik Semibold" panose="020B0702040204020203" pitchFamily="34" charset="0"/>
+              </a:rPr>
+              <a:t>Lineups (2016-2017)</a:t>
             </a:r>
           </a:p>
           <a:p>

--- a/Slides/Basketball 3/Basketball_3_Lecture.pptx
+++ b/Slides/Basketball 3/Basketball_3_Lecture.pptx
@@ -224,7 +224,7 @@
           <a:p>
             <a:fld id="{C04E5E84-956F-4423-97B3-5936A6D8EEEE}" type="datetimeFigureOut">
               <a:rPr lang="en-US" smtClean="0"/>
-              <a:t>3/20/2024</a:t>
+              <a:t>10/23/2025</a:t>
             </a:fld>
             <a:endParaRPr lang="en-US"/>
           </a:p>
@@ -667,6 +667,13 @@
             <a:schemeClr val="lt1"/>
           </a:fontRef>
         </p:style>
+        <p:txBody>
+          <a:bodyPr/>
+          <a:lstStyle/>
+          <a:p>
+            <a:endParaRPr lang="en-US"/>
+          </a:p>
+        </p:txBody>
       </p:sp>
       <p:sp>
         <p:nvSpPr>
@@ -685,7 +692,7 @@
           <a:p>
             <a:fld id="{3881C039-66A3-4640-815B-3B5A8B7D868D}" type="datetimeFigureOut">
               <a:rPr lang="en-US" smtClean="0"/>
-              <a:t>3/20/2024</a:t>
+              <a:t>10/23/2025</a:t>
             </a:fld>
             <a:endParaRPr lang="en-US"/>
           </a:p>
@@ -855,7 +862,7 @@
           <a:p>
             <a:fld id="{3881C039-66A3-4640-815B-3B5A8B7D868D}" type="datetimeFigureOut">
               <a:rPr lang="en-US" smtClean="0"/>
-              <a:t>3/20/2024</a:t>
+              <a:t>10/23/2025</a:t>
             </a:fld>
             <a:endParaRPr lang="en-US"/>
           </a:p>
@@ -1076,7 +1083,7 @@
           <a:p>
             <a:fld id="{3881C039-66A3-4640-815B-3B5A8B7D868D}" type="datetimeFigureOut">
               <a:rPr lang="en-US" smtClean="0"/>
-              <a:t>3/20/2024</a:t>
+              <a:t>10/23/2025</a:t>
             </a:fld>
             <a:endParaRPr lang="en-US"/>
           </a:p>
@@ -1287,7 +1294,7 @@
           <a:p>
             <a:fld id="{3881C039-66A3-4640-815B-3B5A8B7D868D}" type="datetimeFigureOut">
               <a:rPr lang="en-US" smtClean="0"/>
-              <a:t>3/20/2024</a:t>
+              <a:t>10/23/2025</a:t>
             </a:fld>
             <a:endParaRPr lang="en-US"/>
           </a:p>
@@ -1582,7 +1589,7 @@
           <a:p>
             <a:fld id="{3881C039-66A3-4640-815B-3B5A8B7D868D}" type="datetimeFigureOut">
               <a:rPr lang="en-US" smtClean="0"/>
-              <a:t>3/20/2024</a:t>
+              <a:t>10/23/2025</a:t>
             </a:fld>
             <a:endParaRPr lang="en-US"/>
           </a:p>
@@ -1911,7 +1918,7 @@
           <a:p>
             <a:fld id="{3881C039-66A3-4640-815B-3B5A8B7D868D}" type="datetimeFigureOut">
               <a:rPr lang="en-US" smtClean="0"/>
-              <a:t>3/20/2024</a:t>
+              <a:t>10/23/2025</a:t>
             </a:fld>
             <a:endParaRPr lang="en-US"/>
           </a:p>
@@ -2403,7 +2410,7 @@
           <a:p>
             <a:fld id="{3881C039-66A3-4640-815B-3B5A8B7D868D}" type="datetimeFigureOut">
               <a:rPr lang="en-US" smtClean="0"/>
-              <a:t>3/20/2024</a:t>
+              <a:t>10/23/2025</a:t>
             </a:fld>
             <a:endParaRPr lang="en-US"/>
           </a:p>
@@ -2562,7 +2569,7 @@
           <a:p>
             <a:fld id="{3881C039-66A3-4640-815B-3B5A8B7D868D}" type="datetimeFigureOut">
               <a:rPr lang="en-US" smtClean="0"/>
-              <a:t>3/20/2024</a:t>
+              <a:t>10/23/2025</a:t>
             </a:fld>
             <a:endParaRPr lang="en-US"/>
           </a:p>
@@ -2698,7 +2705,7 @@
           <a:p>
             <a:fld id="{3881C039-66A3-4640-815B-3B5A8B7D868D}" type="datetimeFigureOut">
               <a:rPr lang="en-US" smtClean="0"/>
-              <a:t>3/20/2024</a:t>
+              <a:t>10/23/2025</a:t>
             </a:fld>
             <a:endParaRPr lang="en-US"/>
           </a:p>
@@ -3026,7 +3033,7 @@
           <a:p>
             <a:fld id="{3881C039-66A3-4640-815B-3B5A8B7D868D}" type="datetimeFigureOut">
               <a:rPr lang="en-US" smtClean="0"/>
-              <a:t>3/20/2024</a:t>
+              <a:t>10/23/2025</a:t>
             </a:fld>
             <a:endParaRPr lang="en-US"/>
           </a:p>
@@ -3341,7 +3348,7 @@
           <a:p>
             <a:fld id="{3881C039-66A3-4640-815B-3B5A8B7D868D}" type="datetimeFigureOut">
               <a:rPr lang="en-US" smtClean="0"/>
-              <a:t>3/20/2024</a:t>
+              <a:t>10/23/2025</a:t>
             </a:fld>
             <a:endParaRPr lang="en-US"/>
           </a:p>
@@ -3461,6 +3468,13 @@
             <a:schemeClr val="lt1"/>
           </a:fontRef>
         </p:style>
+        <p:txBody>
+          <a:bodyPr/>
+          <a:lstStyle/>
+          <a:p>
+            <a:endParaRPr lang="en-US"/>
+          </a:p>
+        </p:txBody>
       </p:sp>
       <p:sp>
         <p:nvSpPr>
@@ -3593,7 +3607,7 @@
           <a:p>
             <a:fld id="{3881C039-66A3-4640-815B-3B5A8B7D868D}" type="datetimeFigureOut">
               <a:rPr lang="en-US" smtClean="0"/>
-              <a:t>3/20/2024</a:t>
+              <a:t>10/23/2025</a:t>
             </a:fld>
             <a:endParaRPr lang="en-US"/>
           </a:p>
@@ -13810,7 +13824,7 @@
                 </a:solidFill>
                 <a:latin typeface="Selawik Semibold" panose="020B0702040204020203" pitchFamily="34" charset="0"/>
               </a:rPr>
-              <a:t>Outscored Opponents by 125 Points (Pure +/-)</a:t>
+              <a:t>Outscored Opponents by 125 Points (Raw +/-)</a:t>
             </a:r>
           </a:p>
           <a:p>

--- a/Slides/Basketball 3/Basketball_3_Lecture.pptx
+++ b/Slides/Basketball 3/Basketball_3_Lecture.pptx
@@ -15876,7 +15876,7 @@
                 </a:solidFill>
                 <a:latin typeface="Selawik Semibold" panose="020B0702040204020203" pitchFamily="34" charset="0"/>
               </a:rPr>
-              <a:t>Alternative Hypothesis: Lineup 1 is Superior to Lineup 2</a:t>
+              <a:t>Alternative Hypothesis: Lineup 2 is Superior to Lineup 1</a:t>
             </a:r>
           </a:p>
           <a:p>
@@ -15890,7 +15890,7 @@
                 </a:solidFill>
                 <a:latin typeface="Selawik Semibold" panose="020B0702040204020203" pitchFamily="34" charset="0"/>
               </a:rPr>
-              <a:t>P-Value &lt; 0.05: Indicates Lineup 1 Superior to Lineup 2</a:t>
+              <a:t>P-Value &lt; 0.05: Indicates Lineup 2 Superior to Lineup 1</a:t>
             </a:r>
           </a:p>
           <a:p>
